--- a/2019date-topic-compact.pptx
+++ b/2019date-topic-compact.pptx
@@ -4,6 +4,9 @@
   <p:sldMasterIdLst>
     <p:sldMasterId id="2147483648" r:id="rId1"/>
   </p:sldMasterIdLst>
+  <p:notesMasterIdLst>
+    <p:notesMasterId r:id="rId2"/>
+  </p:notesMasterIdLst>
   <p:sldSz cx="12192000" cy="6858000"/>
   <p:notesSz cx="6858000" cy="9144000"/>
   <p:defaultTextStyle>
@@ -109,9 +112,14 @@
 </p:presentation>
 </file>
 
-<file path=ppt/slideLayouts/slideLayout1.xml><?xml version="1.0" encoding="utf-8"?>
-<p:sldLayout xmlns:a="http://schemas.openxmlformats.org/drawingml/2006/main" xmlns:r="http://schemas.openxmlformats.org/officeDocument/2006/relationships" xmlns:p="http://schemas.openxmlformats.org/presentationml/2006/main" preserve="1" userDrawn="1">
-  <p:cSld name="自定义版式">
+<file path=ppt/notesMasters/notesMaster1.xml><?xml version="1.0" encoding="utf-8"?>
+<p:notesMaster xmlns:a="http://schemas.openxmlformats.org/drawingml/2006/main" xmlns:r="http://schemas.openxmlformats.org/officeDocument/2006/relationships" xmlns:p="http://schemas.openxmlformats.org/presentationml/2006/main">
+  <p:cSld>
+    <p:bg>
+      <p:bgRef idx="1001">
+        <a:schemeClr val="bg1"/>
+      </p:bgRef>
+    </p:bg>
     <p:spTree>
       <p:nvGrpSpPr>
         <p:cNvPr id="1" name=""/>
@@ -128,260 +136,453 @@
       </p:grpSpPr>
       <p:sp>
         <p:nvSpPr>
-          <p:cNvPr id="3" name="标题 1">
+          <p:cNvPr id="2" name="页眉占位符 1"/>
+          <p:cNvSpPr>
+            <a:spLocks noGrp="1"/>
+          </p:cNvSpPr>
+          <p:nvPr>
+            <p:ph type="hdr" sz="quarter"/>
+          </p:nvPr>
+        </p:nvSpPr>
+        <p:spPr>
+          <a:xfrm>
+            <a:off x="0" y="0"/>
+            <a:ext cx="2971800" cy="458788"/>
+          </a:xfrm>
+          <a:prstGeom prst="rect">
+            <a:avLst/>
+          </a:prstGeom>
+        </p:spPr>
+        <p:txBody>
+          <a:bodyPr vert="horz" lIns="91440" tIns="45720" rIns="91440" bIns="45720" rtlCol="0"/>
+          <a:lstStyle>
+            <a:lvl1pPr algn="l">
+              <a:defRPr sz="1200"/>
+            </a:lvl1pPr>
+          </a:lstStyle>
+          <a:p>
+            <a:endParaRPr lang="zh-CN" altLang="en-US"/>
+          </a:p>
+        </p:txBody>
+      </p:sp>
+      <p:sp>
+        <p:nvSpPr>
+          <p:cNvPr id="3" name="日期占位符 2"/>
+          <p:cNvSpPr>
+            <a:spLocks noGrp="1"/>
+          </p:cNvSpPr>
+          <p:nvPr>
+            <p:ph type="dt" idx="1"/>
+          </p:nvPr>
+        </p:nvSpPr>
+        <p:spPr>
+          <a:xfrm>
+            <a:off x="3884613" y="0"/>
+            <a:ext cx="2971800" cy="458788"/>
+          </a:xfrm>
+          <a:prstGeom prst="rect">
+            <a:avLst/>
+          </a:prstGeom>
+        </p:spPr>
+        <p:txBody>
+          <a:bodyPr vert="horz" lIns="91440" tIns="45720" rIns="91440" bIns="45720" rtlCol="0"/>
+          <a:lstStyle>
+            <a:lvl1pPr algn="r">
+              <a:defRPr sz="1200"/>
+            </a:lvl1pPr>
+          </a:lstStyle>
+          <a:p>
+            <a:fld id="{AFF424CA-613D-4A6D-9828-D60F413DB4BF}" type="datetimeFigureOut">
+              <a:rPr lang="zh-CN" altLang="en-US" smtClean="0"/>
+              <a:t>2019.11.25</a:t>
+            </a:fld>
+            <a:endParaRPr lang="zh-CN" altLang="en-US"/>
+          </a:p>
+        </p:txBody>
+      </p:sp>
+      <p:sp>
+        <p:nvSpPr>
+          <p:cNvPr id="4" name="幻灯片图像占位符 3"/>
+          <p:cNvSpPr>
+            <a:spLocks noGrp="1" noRot="1" noChangeAspect="1"/>
+          </p:cNvSpPr>
+          <p:nvPr>
+            <p:ph type="sldImg" idx="2"/>
+          </p:nvPr>
+        </p:nvSpPr>
+        <p:spPr>
+          <a:xfrm>
+            <a:off x="685800" y="1143000"/>
+            <a:ext cx="5486400" cy="3086100"/>
+          </a:xfrm>
+          <a:prstGeom prst="rect">
+            <a:avLst/>
+          </a:prstGeom>
+          <a:noFill/>
+          <a:ln w="12700">
+            <a:solidFill>
+              <a:prstClr val="black"/>
+            </a:solidFill>
+          </a:ln>
+        </p:spPr>
+        <p:txBody>
+          <a:bodyPr vert="horz" lIns="91440" tIns="45720" rIns="91440" bIns="45720" rtlCol="0" anchor="ctr"/>
+          <a:lstStyle/>
+          <a:p>
+            <a:endParaRPr lang="zh-CN" altLang="en-US"/>
+          </a:p>
+        </p:txBody>
+      </p:sp>
+      <p:sp>
+        <p:nvSpPr>
+          <p:cNvPr id="5" name="备注占位符 4"/>
+          <p:cNvSpPr>
+            <a:spLocks noGrp="1"/>
+          </p:cNvSpPr>
+          <p:nvPr>
+            <p:ph type="body" sz="quarter" idx="3"/>
+          </p:nvPr>
+        </p:nvSpPr>
+        <p:spPr>
+          <a:xfrm>
+            <a:off x="685800" y="4400550"/>
+            <a:ext cx="5486400" cy="3600450"/>
+          </a:xfrm>
+          <a:prstGeom prst="rect">
+            <a:avLst/>
+          </a:prstGeom>
+        </p:spPr>
+        <p:txBody>
+          <a:bodyPr vert="horz" lIns="91440" tIns="45720" rIns="91440" bIns="45720" rtlCol="0"/>
+          <a:lstStyle/>
+          <a:p>
+            <a:pPr lvl="0"/>
+            <a:r>
+              <a:rPr lang="zh-CN" altLang="en-US"/>
+              <a:t>单击此处编辑母版文本样式</a:t>
+            </a:r>
+          </a:p>
+          <a:p>
+            <a:pPr lvl="1"/>
+            <a:r>
+              <a:rPr lang="zh-CN" altLang="en-US"/>
+              <a:t>二级</a:t>
+            </a:r>
+          </a:p>
+          <a:p>
+            <a:pPr lvl="2"/>
+            <a:r>
+              <a:rPr lang="zh-CN" altLang="en-US"/>
+              <a:t>三级</a:t>
+            </a:r>
+          </a:p>
+          <a:p>
+            <a:pPr lvl="3"/>
+            <a:r>
+              <a:rPr lang="zh-CN" altLang="en-US"/>
+              <a:t>四级</a:t>
+            </a:r>
+          </a:p>
+          <a:p>
+            <a:pPr lvl="4"/>
+            <a:r>
+              <a:rPr lang="zh-CN" altLang="en-US"/>
+              <a:t>五级</a:t>
+            </a:r>
+          </a:p>
+        </p:txBody>
+      </p:sp>
+      <p:sp>
+        <p:nvSpPr>
+          <p:cNvPr id="6" name="页脚占位符 5"/>
+          <p:cNvSpPr>
+            <a:spLocks noGrp="1"/>
+          </p:cNvSpPr>
+          <p:nvPr>
+            <p:ph type="ftr" sz="quarter" idx="4"/>
+          </p:nvPr>
+        </p:nvSpPr>
+        <p:spPr>
+          <a:xfrm>
+            <a:off x="0" y="8685213"/>
+            <a:ext cx="2971800" cy="458787"/>
+          </a:xfrm>
+          <a:prstGeom prst="rect">
+            <a:avLst/>
+          </a:prstGeom>
+        </p:spPr>
+        <p:txBody>
+          <a:bodyPr vert="horz" lIns="91440" tIns="45720" rIns="91440" bIns="45720" rtlCol="0" anchor="b"/>
+          <a:lstStyle>
+            <a:lvl1pPr algn="l">
+              <a:defRPr sz="1200"/>
+            </a:lvl1pPr>
+          </a:lstStyle>
+          <a:p>
+            <a:endParaRPr lang="zh-CN" altLang="en-US"/>
+          </a:p>
+        </p:txBody>
+      </p:sp>
+      <p:sp>
+        <p:nvSpPr>
+          <p:cNvPr id="7" name="灯片编号占位符 6"/>
+          <p:cNvSpPr>
+            <a:spLocks noGrp="1"/>
+          </p:cNvSpPr>
+          <p:nvPr>
+            <p:ph type="sldNum" sz="quarter" idx="5"/>
+          </p:nvPr>
+        </p:nvSpPr>
+        <p:spPr>
+          <a:xfrm>
+            <a:off x="3884613" y="8685213"/>
+            <a:ext cx="2971800" cy="458787"/>
+          </a:xfrm>
+          <a:prstGeom prst="rect">
+            <a:avLst/>
+          </a:prstGeom>
+        </p:spPr>
+        <p:txBody>
+          <a:bodyPr vert="horz" lIns="91440" tIns="45720" rIns="91440" bIns="45720" rtlCol="0" anchor="b"/>
+          <a:lstStyle>
+            <a:lvl1pPr algn="r">
+              <a:defRPr sz="1200"/>
+            </a:lvl1pPr>
+          </a:lstStyle>
+          <a:p>
+            <a:fld id="{338B107B-54BD-4647-A5AD-A09107F79ADB}" type="slidenum">
+              <a:rPr lang="zh-CN" altLang="en-US" smtClean="0"/>
+              <a:t>‹#›</a:t>
+            </a:fld>
+            <a:endParaRPr lang="zh-CN" altLang="en-US"/>
+          </a:p>
+        </p:txBody>
+      </p:sp>
+    </p:spTree>
+    <p:extLst>
+      <p:ext uri="{BB962C8B-B14F-4D97-AF65-F5344CB8AC3E}">
+        <p14:creationId xmlns:p14="http://schemas.microsoft.com/office/powerpoint/2010/main" val="313309645"/>
+      </p:ext>
+    </p:extLst>
+  </p:cSld>
+  <p:clrMap bg1="lt1" tx1="dk1" bg2="lt2" tx2="dk2" accent1="accent1" accent2="accent2" accent3="accent3" accent4="accent4" accent5="accent5" accent6="accent6" hlink="hlink" folHlink="folHlink"/>
+  <p:notesStyle>
+    <a:lvl1pPr marL="0" algn="l" defTabSz="914400" rtl="0" eaLnBrk="1" latinLnBrk="0" hangingPunct="1">
+      <a:defRPr sz="1200" kern="1200">
+        <a:solidFill>
+          <a:schemeClr val="tx1"/>
+        </a:solidFill>
+        <a:latin typeface="+mn-lt"/>
+        <a:ea typeface="+mn-ea"/>
+        <a:cs typeface="+mn-cs"/>
+      </a:defRPr>
+    </a:lvl1pPr>
+    <a:lvl2pPr marL="457200" algn="l" defTabSz="914400" rtl="0" eaLnBrk="1" latinLnBrk="0" hangingPunct="1">
+      <a:defRPr sz="1200" kern="1200">
+        <a:solidFill>
+          <a:schemeClr val="tx1"/>
+        </a:solidFill>
+        <a:latin typeface="+mn-lt"/>
+        <a:ea typeface="+mn-ea"/>
+        <a:cs typeface="+mn-cs"/>
+      </a:defRPr>
+    </a:lvl2pPr>
+    <a:lvl3pPr marL="914400" algn="l" defTabSz="914400" rtl="0" eaLnBrk="1" latinLnBrk="0" hangingPunct="1">
+      <a:defRPr sz="1200" kern="1200">
+        <a:solidFill>
+          <a:schemeClr val="tx1"/>
+        </a:solidFill>
+        <a:latin typeface="+mn-lt"/>
+        <a:ea typeface="+mn-ea"/>
+        <a:cs typeface="+mn-cs"/>
+      </a:defRPr>
+    </a:lvl3pPr>
+    <a:lvl4pPr marL="1371600" algn="l" defTabSz="914400" rtl="0" eaLnBrk="1" latinLnBrk="0" hangingPunct="1">
+      <a:defRPr sz="1200" kern="1200">
+        <a:solidFill>
+          <a:schemeClr val="tx1"/>
+        </a:solidFill>
+        <a:latin typeface="+mn-lt"/>
+        <a:ea typeface="+mn-ea"/>
+        <a:cs typeface="+mn-cs"/>
+      </a:defRPr>
+    </a:lvl4pPr>
+    <a:lvl5pPr marL="1828800" algn="l" defTabSz="914400" rtl="0" eaLnBrk="1" latinLnBrk="0" hangingPunct="1">
+      <a:defRPr sz="1200" kern="1200">
+        <a:solidFill>
+          <a:schemeClr val="tx1"/>
+        </a:solidFill>
+        <a:latin typeface="+mn-lt"/>
+        <a:ea typeface="+mn-ea"/>
+        <a:cs typeface="+mn-cs"/>
+      </a:defRPr>
+    </a:lvl5pPr>
+    <a:lvl6pPr marL="2286000" algn="l" defTabSz="914400" rtl="0" eaLnBrk="1" latinLnBrk="0" hangingPunct="1">
+      <a:defRPr sz="1200" kern="1200">
+        <a:solidFill>
+          <a:schemeClr val="tx1"/>
+        </a:solidFill>
+        <a:latin typeface="+mn-lt"/>
+        <a:ea typeface="+mn-ea"/>
+        <a:cs typeface="+mn-cs"/>
+      </a:defRPr>
+    </a:lvl6pPr>
+    <a:lvl7pPr marL="2743200" algn="l" defTabSz="914400" rtl="0" eaLnBrk="1" latinLnBrk="0" hangingPunct="1">
+      <a:defRPr sz="1200" kern="1200">
+        <a:solidFill>
+          <a:schemeClr val="tx1"/>
+        </a:solidFill>
+        <a:latin typeface="+mn-lt"/>
+        <a:ea typeface="+mn-ea"/>
+        <a:cs typeface="+mn-cs"/>
+      </a:defRPr>
+    </a:lvl7pPr>
+    <a:lvl8pPr marL="3200400" algn="l" defTabSz="914400" rtl="0" eaLnBrk="1" latinLnBrk="0" hangingPunct="1">
+      <a:defRPr sz="1200" kern="1200">
+        <a:solidFill>
+          <a:schemeClr val="tx1"/>
+        </a:solidFill>
+        <a:latin typeface="+mn-lt"/>
+        <a:ea typeface="+mn-ea"/>
+        <a:cs typeface="+mn-cs"/>
+      </a:defRPr>
+    </a:lvl8pPr>
+    <a:lvl9pPr marL="3657600" algn="l" defTabSz="914400" rtl="0" eaLnBrk="1" latinLnBrk="0" hangingPunct="1">
+      <a:defRPr sz="1200" kern="1200">
+        <a:solidFill>
+          <a:schemeClr val="tx1"/>
+        </a:solidFill>
+        <a:latin typeface="+mn-lt"/>
+        <a:ea typeface="+mn-ea"/>
+        <a:cs typeface="+mn-cs"/>
+      </a:defRPr>
+    </a:lvl9pPr>
+  </p:notesStyle>
+</p:notesMaster>
+</file>
+
+<file path=ppt/slideLayouts/slideLayout1.xml><?xml version="1.0" encoding="utf-8"?>
+<p:sldLayout xmlns:a="http://schemas.openxmlformats.org/drawingml/2006/main" xmlns:r="http://schemas.openxmlformats.org/officeDocument/2006/relationships" xmlns:p="http://schemas.openxmlformats.org/presentationml/2006/main" preserve="1" userDrawn="1">
+  <p:cSld name="title">
+    <p:spTree>
+      <p:nvGrpSpPr>
+        <p:cNvPr id="1" name=""/>
+        <p:cNvGrpSpPr/>
+        <p:nvPr/>
+      </p:nvGrpSpPr>
+      <p:grpSpPr>
+        <a:xfrm>
+          <a:off x="0" y="0"/>
+          <a:ext cx="0" cy="0"/>
+          <a:chOff x="0" y="0"/>
+          <a:chExt cx="0" cy="0"/>
+        </a:xfrm>
+      </p:grpSpPr>
+      <p:sp>
+        <p:nvSpPr>
+          <p:cNvPr id="5" name="标题 1">
             <a:extLst>
               <a:ext uri="{FF2B5EF4-FFF2-40B4-BE49-F238E27FC236}">
-                <a16:creationId xmlns:a16="http://schemas.microsoft.com/office/drawing/2014/main" id="{9708CDAB-557D-4247-A9F8-5644F2EDF11E}"/>
+                <a16:creationId xmlns:a16="http://schemas.microsoft.com/office/drawing/2014/main" id="{79F64E10-C4C5-4E43-B70C-515E0E6391A2}"/>
               </a:ext>
             </a:extLst>
           </p:cNvPr>
-          <p:cNvSpPr txBox="1">
-            <a:spLocks/>
+          <p:cNvSpPr>
+            <a:spLocks noGrp="1"/>
           </p:cNvSpPr>
-          <p:nvPr userDrawn="1"/>
+          <p:nvPr>
+            <p:ph type="ctrTitle" hasCustomPrompt="1"/>
+          </p:nvPr>
         </p:nvSpPr>
         <p:spPr>
           <a:xfrm>
             <a:off x="1524000" y="1122363"/>
             <a:ext cx="9144000" cy="2387600"/>
           </a:xfrm>
-          <a:prstGeom prst="rect">
-            <a:avLst/>
-          </a:prstGeom>
         </p:spPr>
         <p:txBody>
           <a:bodyPr anchor="b">
             <a:normAutofit/>
           </a:bodyPr>
           <a:lstStyle>
-            <a:lvl1pPr algn="ctr" defTabSz="914400" rtl="0" eaLnBrk="1" latinLnBrk="0" hangingPunct="1">
-              <a:lnSpc>
-                <a:spcPct val="90000"/>
-              </a:lnSpc>
-              <a:spcBef>
-                <a:spcPct val="0"/>
-              </a:spcBef>
-              <a:buNone/>
-              <a:defRPr sz="5400" kern="1200">
-                <a:solidFill>
-                  <a:schemeClr val="tx1"/>
-                </a:solidFill>
-                <a:latin typeface="+mj-lt"/>
-                <a:ea typeface="+mj-ea"/>
-                <a:cs typeface="+mj-cs"/>
-              </a:defRPr>
+            <a:lvl1pPr algn="ctr">
+              <a:defRPr sz="5400"/>
             </a:lvl1pPr>
           </a:lstStyle>
           <a:p>
             <a:r>
-              <a:rPr lang="en-US" altLang="zh-CN" dirty="0">
-                <a:latin typeface="微软雅黑" panose="020B0503020204020204" pitchFamily="34" charset="-122"/>
-                <a:ea typeface="微软雅黑" panose="020B0503020204020204" pitchFamily="34" charset="-122"/>
-              </a:rPr>
+              <a:rPr lang="en-US" altLang="zh-CN" dirty="0"/>
               <a:t>Title</a:t>
             </a:r>
-            <a:endParaRPr lang="zh-CN" altLang="en-US" dirty="0">
-              <a:latin typeface="微软雅黑" panose="020B0503020204020204" pitchFamily="34" charset="-122"/>
-              <a:ea typeface="微软雅黑" panose="020B0503020204020204" pitchFamily="34" charset="-122"/>
-            </a:endParaRPr>
+            <a:endParaRPr lang="zh-CN" altLang="en-US" dirty="0"/>
           </a:p>
         </p:txBody>
       </p:sp>
       <p:sp>
         <p:nvSpPr>
-          <p:cNvPr id="4" name="副标题 2">
+          <p:cNvPr id="6" name="副标题 2">
             <a:extLst>
               <a:ext uri="{FF2B5EF4-FFF2-40B4-BE49-F238E27FC236}">
-                <a16:creationId xmlns:a16="http://schemas.microsoft.com/office/drawing/2014/main" id="{7839351A-7240-42CC-82F1-F8AFB2118DF1}"/>
+                <a16:creationId xmlns:a16="http://schemas.microsoft.com/office/drawing/2014/main" id="{1E57C965-29C9-4CAB-8E55-13C32463FE88}"/>
               </a:ext>
             </a:extLst>
           </p:cNvPr>
-          <p:cNvSpPr txBox="1">
-            <a:spLocks/>
+          <p:cNvSpPr>
+            <a:spLocks noGrp="1"/>
           </p:cNvSpPr>
-          <p:nvPr userDrawn="1"/>
+          <p:nvPr>
+            <p:ph type="subTitle" idx="1" hasCustomPrompt="1"/>
+          </p:nvPr>
         </p:nvSpPr>
         <p:spPr>
           <a:xfrm>
             <a:off x="1524000" y="3602038"/>
             <a:ext cx="9144000" cy="1655762"/>
           </a:xfrm>
-          <a:prstGeom prst="rect">
-            <a:avLst/>
-          </a:prstGeom>
         </p:spPr>
         <p:txBody>
           <a:bodyPr anchor="b"/>
           <a:lstStyle>
-            <a:lvl1pPr marL="0" indent="0" algn="r" defTabSz="914400" rtl="0" eaLnBrk="1" latinLnBrk="0" hangingPunct="1">
-              <a:lnSpc>
-                <a:spcPct val="90000"/>
-              </a:lnSpc>
-              <a:spcBef>
-                <a:spcPts val="1000"/>
-              </a:spcBef>
-              <a:buFont typeface="Arial" panose="020B0604020202020204" pitchFamily="34" charset="0"/>
+            <a:lvl1pPr marL="0" indent="0" algn="r">
               <a:buNone/>
-              <a:defRPr sz="2400" kern="1200">
-                <a:solidFill>
-                  <a:schemeClr val="tx1"/>
-                </a:solidFill>
-                <a:latin typeface="+mn-lt"/>
-                <a:ea typeface="+mn-ea"/>
-                <a:cs typeface="+mn-cs"/>
-              </a:defRPr>
+              <a:defRPr sz="2400"/>
             </a:lvl1pPr>
-            <a:lvl2pPr marL="457200" indent="0" algn="ctr" defTabSz="914400" rtl="0" eaLnBrk="1" latinLnBrk="0" hangingPunct="1">
-              <a:lnSpc>
-                <a:spcPct val="90000"/>
-              </a:lnSpc>
-              <a:spcBef>
-                <a:spcPts val="500"/>
-              </a:spcBef>
-              <a:buFont typeface="Arial" panose="020B0604020202020204" pitchFamily="34" charset="0"/>
+            <a:lvl2pPr marL="457200" indent="0" algn="ctr">
               <a:buNone/>
-              <a:defRPr sz="2000" kern="1200">
-                <a:solidFill>
-                  <a:schemeClr val="tx1"/>
-                </a:solidFill>
-                <a:latin typeface="+mn-lt"/>
-                <a:ea typeface="+mn-ea"/>
-                <a:cs typeface="+mn-cs"/>
-              </a:defRPr>
+              <a:defRPr sz="2000"/>
             </a:lvl2pPr>
-            <a:lvl3pPr marL="914400" indent="0" algn="ctr" defTabSz="914400" rtl="0" eaLnBrk="1" latinLnBrk="0" hangingPunct="1">
-              <a:lnSpc>
-                <a:spcPct val="90000"/>
-              </a:lnSpc>
-              <a:spcBef>
-                <a:spcPts val="500"/>
-              </a:spcBef>
-              <a:buFont typeface="Arial" panose="020B0604020202020204" pitchFamily="34" charset="0"/>
+            <a:lvl3pPr marL="914400" indent="0" algn="ctr">
               <a:buNone/>
-              <a:defRPr sz="1800" kern="1200">
-                <a:solidFill>
-                  <a:schemeClr val="tx1"/>
-                </a:solidFill>
-                <a:latin typeface="+mn-lt"/>
-                <a:ea typeface="+mn-ea"/>
-                <a:cs typeface="+mn-cs"/>
-              </a:defRPr>
+              <a:defRPr sz="1800"/>
             </a:lvl3pPr>
-            <a:lvl4pPr marL="1371600" indent="0" algn="ctr" defTabSz="914400" rtl="0" eaLnBrk="1" latinLnBrk="0" hangingPunct="1">
-              <a:lnSpc>
-                <a:spcPct val="90000"/>
-              </a:lnSpc>
-              <a:spcBef>
-                <a:spcPts val="500"/>
-              </a:spcBef>
-              <a:buFont typeface="Arial" panose="020B0604020202020204" pitchFamily="34" charset="0"/>
+            <a:lvl4pPr marL="1371600" indent="0" algn="ctr">
               <a:buNone/>
-              <a:defRPr sz="1600" kern="1200">
-                <a:solidFill>
-                  <a:schemeClr val="tx1"/>
-                </a:solidFill>
-                <a:latin typeface="+mn-lt"/>
-                <a:ea typeface="+mn-ea"/>
-                <a:cs typeface="+mn-cs"/>
-              </a:defRPr>
+              <a:defRPr sz="1600"/>
             </a:lvl4pPr>
-            <a:lvl5pPr marL="1828800" indent="0" algn="ctr" defTabSz="914400" rtl="0" eaLnBrk="1" latinLnBrk="0" hangingPunct="1">
-              <a:lnSpc>
-                <a:spcPct val="90000"/>
-              </a:lnSpc>
-              <a:spcBef>
-                <a:spcPts val="500"/>
-              </a:spcBef>
-              <a:buFont typeface="Arial" panose="020B0604020202020204" pitchFamily="34" charset="0"/>
+            <a:lvl5pPr marL="1828800" indent="0" algn="ctr">
               <a:buNone/>
-              <a:defRPr sz="1600" kern="1200">
-                <a:solidFill>
-                  <a:schemeClr val="tx1"/>
-                </a:solidFill>
-                <a:latin typeface="+mn-lt"/>
-                <a:ea typeface="+mn-ea"/>
-                <a:cs typeface="+mn-cs"/>
-              </a:defRPr>
+              <a:defRPr sz="1600"/>
             </a:lvl5pPr>
-            <a:lvl6pPr marL="2286000" indent="0" algn="ctr" defTabSz="914400" rtl="0" eaLnBrk="1" latinLnBrk="0" hangingPunct="1">
-              <a:lnSpc>
-                <a:spcPct val="90000"/>
-              </a:lnSpc>
-              <a:spcBef>
-                <a:spcPts val="500"/>
-              </a:spcBef>
-              <a:buFont typeface="Arial" panose="020B0604020202020204" pitchFamily="34" charset="0"/>
+            <a:lvl6pPr marL="2286000" indent="0" algn="ctr">
               <a:buNone/>
-              <a:defRPr sz="1600" kern="1200">
-                <a:solidFill>
-                  <a:schemeClr val="tx1"/>
-                </a:solidFill>
-                <a:latin typeface="+mn-lt"/>
-                <a:ea typeface="+mn-ea"/>
-                <a:cs typeface="+mn-cs"/>
-              </a:defRPr>
+              <a:defRPr sz="1600"/>
             </a:lvl6pPr>
-            <a:lvl7pPr marL="2743200" indent="0" algn="ctr" defTabSz="914400" rtl="0" eaLnBrk="1" latinLnBrk="0" hangingPunct="1">
-              <a:lnSpc>
-                <a:spcPct val="90000"/>
-              </a:lnSpc>
-              <a:spcBef>
-                <a:spcPts val="500"/>
-              </a:spcBef>
-              <a:buFont typeface="Arial" panose="020B0604020202020204" pitchFamily="34" charset="0"/>
+            <a:lvl7pPr marL="2743200" indent="0" algn="ctr">
               <a:buNone/>
-              <a:defRPr sz="1600" kern="1200">
-                <a:solidFill>
-                  <a:schemeClr val="tx1"/>
-                </a:solidFill>
-                <a:latin typeface="+mn-lt"/>
-                <a:ea typeface="+mn-ea"/>
-                <a:cs typeface="+mn-cs"/>
-              </a:defRPr>
+              <a:defRPr sz="1600"/>
             </a:lvl7pPr>
-            <a:lvl8pPr marL="3200400" indent="0" algn="ctr" defTabSz="914400" rtl="0" eaLnBrk="1" latinLnBrk="0" hangingPunct="1">
-              <a:lnSpc>
-                <a:spcPct val="90000"/>
-              </a:lnSpc>
-              <a:spcBef>
-                <a:spcPts val="500"/>
-              </a:spcBef>
-              <a:buFont typeface="Arial" panose="020B0604020202020204" pitchFamily="34" charset="0"/>
+            <a:lvl8pPr marL="3200400" indent="0" algn="ctr">
               <a:buNone/>
-              <a:defRPr sz="1600" kern="1200">
-                <a:solidFill>
-                  <a:schemeClr val="tx1"/>
-                </a:solidFill>
-                <a:latin typeface="+mn-lt"/>
-                <a:ea typeface="+mn-ea"/>
-                <a:cs typeface="+mn-cs"/>
-              </a:defRPr>
+              <a:defRPr sz="1600"/>
             </a:lvl8pPr>
-            <a:lvl9pPr marL="3657600" indent="0" algn="ctr" defTabSz="914400" rtl="0" eaLnBrk="1" latinLnBrk="0" hangingPunct="1">
-              <a:lnSpc>
-                <a:spcPct val="90000"/>
-              </a:lnSpc>
-              <a:spcBef>
-                <a:spcPts val="500"/>
-              </a:spcBef>
-              <a:buFont typeface="Arial" panose="020B0604020202020204" pitchFamily="34" charset="0"/>
+            <a:lvl9pPr marL="3657600" indent="0" algn="ctr">
               <a:buNone/>
-              <a:defRPr sz="1600" kern="1200">
-                <a:solidFill>
-                  <a:schemeClr val="tx1"/>
-                </a:solidFill>
-                <a:latin typeface="+mn-lt"/>
-                <a:ea typeface="+mn-ea"/>
-                <a:cs typeface="+mn-cs"/>
-              </a:defRPr>
+              <a:defRPr sz="1600"/>
             </a:lvl9pPr>
           </a:lstStyle>
           <a:p>
             <a:r>
-              <a:rPr lang="en-US" altLang="zh-CN" dirty="0">
-                <a:latin typeface="微软雅黑" panose="020B0503020204020204" pitchFamily="34" charset="-122"/>
-                <a:ea typeface="微软雅黑" panose="020B0503020204020204" pitchFamily="34" charset="-122"/>
-              </a:rPr>
+              <a:rPr lang="en-US" altLang="zh-CN" dirty="0"/>
               <a:t>name, time</a:t>
             </a:r>
           </a:p>
@@ -402,7 +603,12 @@
 
 <file path=ppt/slideLayouts/slideLayout2.xml><?xml version="1.0" encoding="utf-8"?>
 <p:sldLayout xmlns:a="http://schemas.openxmlformats.org/drawingml/2006/main" xmlns:r="http://schemas.openxmlformats.org/officeDocument/2006/relationships" xmlns:p="http://schemas.openxmlformats.org/presentationml/2006/main" preserve="1" userDrawn="1">
-  <p:cSld name="1_自定义版式">
+  <p:cSld name="style1">
+    <p:bg bwMode="blackWhite">
+      <p:bgRef idx="1001">
+        <a:schemeClr val="bg1"/>
+      </p:bgRef>
+    </p:bg>
     <p:spTree>
       <p:nvGrpSpPr>
         <p:cNvPr id="1" name=""/>
@@ -435,8 +641,8 @@
         </p:nvSpPr>
         <p:spPr>
           <a:xfrm>
-            <a:off x="235888" y="194807"/>
-            <a:ext cx="11720223" cy="946840"/>
+            <a:off x="155575" y="161620"/>
+            <a:ext cx="11880850" cy="927405"/>
           </a:xfrm>
           <a:prstGeom prst="rect">
             <a:avLst/>
@@ -473,8 +679,8 @@
         </p:nvSpPr>
         <p:spPr>
           <a:xfrm>
-            <a:off x="235888" y="1288111"/>
-            <a:ext cx="11720222" cy="5375082"/>
+            <a:off x="155575" y="1268414"/>
+            <a:ext cx="11880849" cy="5400674"/>
           </a:xfrm>
           <a:prstGeom prst="rect">
             <a:avLst/>
@@ -487,6 +693,50 @@
           <a:lstStyle/>
           <a:p>
             <a:pPr lvl="0"/>
+            <a:endParaRPr lang="zh-CN" altLang="en-US" dirty="0"/>
+          </a:p>
+        </p:txBody>
+      </p:sp>
+      <p:sp>
+        <p:nvSpPr>
+          <p:cNvPr id="5" name="文本占位符 2">
+            <a:extLst>
+              <a:ext uri="{FF2B5EF4-FFF2-40B4-BE49-F238E27FC236}">
+                <a16:creationId xmlns:a16="http://schemas.microsoft.com/office/drawing/2014/main" id="{EAACEB4B-376E-4028-B4B7-734C34441495}"/>
+              </a:ext>
+            </a:extLst>
+          </p:cNvPr>
+          <p:cNvSpPr>
+            <a:spLocks noGrp="1"/>
+          </p:cNvSpPr>
+          <p:nvPr>
+            <p:ph idx="10" hasCustomPrompt="1"/>
+          </p:nvPr>
+        </p:nvSpPr>
+        <p:spPr>
+          <a:xfrm>
+            <a:off x="807388" y="6669088"/>
+            <a:ext cx="10577224" cy="188912"/>
+          </a:xfrm>
+          <a:prstGeom prst="rect">
+            <a:avLst/>
+          </a:prstGeom>
+        </p:spPr>
+        <p:txBody>
+          <a:bodyPr vert="horz" lIns="91440" tIns="45720" rIns="91440" bIns="45720" rtlCol="0" anchor="ctr">
+            <a:noAutofit/>
+          </a:bodyPr>
+          <a:lstStyle>
+            <a:lvl1pPr algn="ctr">
+              <a:defRPr sz="1000"/>
+            </a:lvl1pPr>
+          </a:lstStyle>
+          <a:p>
+            <a:pPr lvl="0"/>
+            <a:r>
+              <a:rPr lang="en-US" altLang="zh-CN" dirty="0"/>
+              <a:t>ref</a:t>
+            </a:r>
             <a:endParaRPr lang="zh-CN" altLang="en-US" dirty="0"/>
           </a:p>
         </p:txBody>
@@ -501,12 +751,48 @@
   <p:clrMapOvr>
     <a:masterClrMapping/>
   </p:clrMapOvr>
+  <p:extLst>
+    <p:ext uri="{DCECCB84-F9BA-43D5-87BE-67443E8EF086}">
+      <p15:sldGuideLst xmlns:p15="http://schemas.microsoft.com/office/powerpoint/2012/main">
+        <p15:guide id="1" pos="98" userDrawn="1">
+          <p15:clr>
+            <a:srgbClr val="FBAE40"/>
+          </p15:clr>
+        </p15:guide>
+        <p15:guide id="2" pos="7582" userDrawn="1">
+          <p15:clr>
+            <a:srgbClr val="FBAE40"/>
+          </p15:clr>
+        </p15:guide>
+        <p15:guide id="3" orient="horz" pos="96" userDrawn="1">
+          <p15:clr>
+            <a:srgbClr val="FBAE40"/>
+          </p15:clr>
+        </p15:guide>
+        <p15:guide id="4" orient="horz" pos="4201" userDrawn="1">
+          <p15:clr>
+            <a:srgbClr val="FBAE40"/>
+          </p15:clr>
+        </p15:guide>
+        <p15:guide id="5" orient="horz" pos="799" userDrawn="1">
+          <p15:clr>
+            <a:srgbClr val="FBAE40"/>
+          </p15:clr>
+        </p15:guide>
+      </p15:sldGuideLst>
+    </p:ext>
+  </p:extLst>
 </p:sldLayout>
 </file>
 
 <file path=ppt/slideLayouts/slideLayout3.xml><?xml version="1.0" encoding="utf-8"?>
 <p:sldLayout xmlns:a="http://schemas.openxmlformats.org/drawingml/2006/main" xmlns:r="http://schemas.openxmlformats.org/officeDocument/2006/relationships" xmlns:p="http://schemas.openxmlformats.org/presentationml/2006/main" preserve="1" userDrawn="1">
-  <p:cSld name="2_自定义版式">
+  <p:cSld name="4_style1">
+    <p:bg bwMode="blackWhite">
+      <p:bgRef idx="1001">
+        <a:schemeClr val="bg1"/>
+      </p:bgRef>
+    </p:bg>
     <p:spTree>
       <p:nvGrpSpPr>
         <p:cNvPr id="1" name=""/>
@@ -523,10 +809,10 @@
       </p:grpSpPr>
       <p:sp>
         <p:nvSpPr>
-          <p:cNvPr id="2" name="标题 1">
+          <p:cNvPr id="3" name="标题占位符 1">
             <a:extLst>
               <a:ext uri="{FF2B5EF4-FFF2-40B4-BE49-F238E27FC236}">
-                <a16:creationId xmlns:a16="http://schemas.microsoft.com/office/drawing/2014/main" id="{134872D6-7BCD-45B2-9CB7-EE6FCBEE280B}"/>
+                <a16:creationId xmlns:a16="http://schemas.microsoft.com/office/drawing/2014/main" id="{E89E3029-F52D-4EC5-AEAF-C0012A8FC1F4}"/>
               </a:ext>
             </a:extLst>
           </p:cNvPr>
@@ -537,34 +823,164 @@
             <p:ph type="title"/>
           </p:nvPr>
         </p:nvSpPr>
-        <p:spPr/>
+        <p:spPr>
+          <a:xfrm>
+            <a:off x="155575" y="161620"/>
+            <a:ext cx="11880850" cy="603555"/>
+          </a:xfrm>
+          <a:prstGeom prst="rect">
+            <a:avLst/>
+          </a:prstGeom>
+        </p:spPr>
         <p:txBody>
-          <a:bodyPr/>
-          <a:lstStyle/>
+          <a:bodyPr vert="horz" lIns="91440" tIns="45720" rIns="91440" bIns="45720" rtlCol="0" anchor="ctr">
+            <a:normAutofit/>
+          </a:bodyPr>
+          <a:lstStyle>
+            <a:lvl1pPr>
+              <a:defRPr sz="3200"/>
+            </a:lvl1pPr>
+          </a:lstStyle>
           <a:p>
             <a:r>
-              <a:rPr lang="zh-CN" altLang="en-US"/>
+              <a:rPr lang="zh-CN" altLang="en-US" dirty="0"/>
               <a:t>单击此处编辑母版标题样式</a:t>
             </a:r>
+          </a:p>
+        </p:txBody>
+      </p:sp>
+      <p:sp>
+        <p:nvSpPr>
+          <p:cNvPr id="4" name="文本占位符 2">
+            <a:extLst>
+              <a:ext uri="{FF2B5EF4-FFF2-40B4-BE49-F238E27FC236}">
+                <a16:creationId xmlns:a16="http://schemas.microsoft.com/office/drawing/2014/main" id="{63D06D92-1034-4F98-BA33-D68792DCC611}"/>
+              </a:ext>
+            </a:extLst>
+          </p:cNvPr>
+          <p:cNvSpPr>
+            <a:spLocks noGrp="1"/>
+          </p:cNvSpPr>
+          <p:nvPr>
+            <p:ph idx="1"/>
+          </p:nvPr>
+        </p:nvSpPr>
+        <p:spPr>
+          <a:xfrm>
+            <a:off x="155575" y="944563"/>
+            <a:ext cx="11880849" cy="5724525"/>
+          </a:xfrm>
+          <a:prstGeom prst="rect">
+            <a:avLst/>
+          </a:prstGeom>
+        </p:spPr>
+        <p:txBody>
+          <a:bodyPr vert="horz" lIns="91440" tIns="45720" rIns="91440" bIns="45720" rtlCol="0">
+            <a:normAutofit/>
+          </a:bodyPr>
+          <a:lstStyle/>
+          <a:p>
+            <a:pPr lvl="0"/>
+            <a:endParaRPr lang="zh-CN" altLang="en-US" dirty="0"/>
+          </a:p>
+        </p:txBody>
+      </p:sp>
+      <p:sp>
+        <p:nvSpPr>
+          <p:cNvPr id="5" name="文本占位符 2">
+            <a:extLst>
+              <a:ext uri="{FF2B5EF4-FFF2-40B4-BE49-F238E27FC236}">
+                <a16:creationId xmlns:a16="http://schemas.microsoft.com/office/drawing/2014/main" id="{EAACEB4B-376E-4028-B4B7-734C34441495}"/>
+              </a:ext>
+            </a:extLst>
+          </p:cNvPr>
+          <p:cNvSpPr>
+            <a:spLocks noGrp="1"/>
+          </p:cNvSpPr>
+          <p:nvPr>
+            <p:ph idx="10" hasCustomPrompt="1"/>
+          </p:nvPr>
+        </p:nvSpPr>
+        <p:spPr>
+          <a:xfrm>
+            <a:off x="807388" y="6669088"/>
+            <a:ext cx="10577224" cy="188912"/>
+          </a:xfrm>
+          <a:prstGeom prst="rect">
+            <a:avLst/>
+          </a:prstGeom>
+        </p:spPr>
+        <p:txBody>
+          <a:bodyPr vert="horz" lIns="91440" tIns="45720" rIns="91440" bIns="45720" rtlCol="0" anchor="ctr">
+            <a:noAutofit/>
+          </a:bodyPr>
+          <a:lstStyle>
+            <a:lvl1pPr algn="ctr">
+              <a:defRPr sz="1000"/>
+            </a:lvl1pPr>
+          </a:lstStyle>
+          <a:p>
+            <a:pPr lvl="0"/>
+            <a:r>
+              <a:rPr lang="en-US" altLang="zh-CN" dirty="0"/>
+              <a:t>ref</a:t>
+            </a:r>
+            <a:endParaRPr lang="zh-CN" altLang="en-US" dirty="0"/>
           </a:p>
         </p:txBody>
       </p:sp>
     </p:spTree>
     <p:extLst>
       <p:ext uri="{BB962C8B-B14F-4D97-AF65-F5344CB8AC3E}">
-        <p14:creationId xmlns:p14="http://schemas.microsoft.com/office/powerpoint/2010/main" val="176915276"/>
+        <p14:creationId xmlns:p14="http://schemas.microsoft.com/office/powerpoint/2010/main" val="1201581387"/>
       </p:ext>
     </p:extLst>
   </p:cSld>
   <p:clrMapOvr>
     <a:masterClrMapping/>
   </p:clrMapOvr>
+  <p:extLst>
+    <p:ext uri="{DCECCB84-F9BA-43D5-87BE-67443E8EF086}">
+      <p15:sldGuideLst xmlns:p15="http://schemas.microsoft.com/office/powerpoint/2012/main">
+        <p15:guide id="1" pos="98">
+          <p15:clr>
+            <a:srgbClr val="FBAE40"/>
+          </p15:clr>
+        </p15:guide>
+        <p15:guide id="2" pos="7582">
+          <p15:clr>
+            <a:srgbClr val="FBAE40"/>
+          </p15:clr>
+        </p15:guide>
+        <p15:guide id="3" orient="horz" pos="96">
+          <p15:clr>
+            <a:srgbClr val="FBAE40"/>
+          </p15:clr>
+        </p15:guide>
+        <p15:guide id="4" orient="horz" pos="4201">
+          <p15:clr>
+            <a:srgbClr val="FBAE40"/>
+          </p15:clr>
+        </p15:guide>
+        <p15:guide id="5" orient="horz" pos="595" userDrawn="1">
+          <p15:clr>
+            <a:srgbClr val="FBAE40"/>
+          </p15:clr>
+        </p15:guide>
+      </p15:sldGuideLst>
+    </p:ext>
+  </p:extLst>
 </p:sldLayout>
 </file>
 
 <file path=ppt/slideLayouts/slideLayout4.xml><?xml version="1.0" encoding="utf-8"?>
 <p:sldLayout xmlns:a="http://schemas.openxmlformats.org/drawingml/2006/main" xmlns:r="http://schemas.openxmlformats.org/officeDocument/2006/relationships" xmlns:p="http://schemas.openxmlformats.org/presentationml/2006/main" preserve="1" userDrawn="1">
-  <p:cSld name="3_自定义版式">
+  <p:cSld name="5_style1">
+    <p:bg bwMode="blackWhite">
+      <p:bgRef idx="1001">
+        <a:schemeClr val="bg1"/>
+      </p:bgRef>
+    </p:bg>
     <p:spTree>
       <p:nvGrpSpPr>
         <p:cNvPr id="1" name=""/>
@@ -581,10 +997,10 @@
       </p:grpSpPr>
       <p:sp>
         <p:nvSpPr>
-          <p:cNvPr id="3" name="文本占位符 2">
+          <p:cNvPr id="4" name="文本占位符 2">
             <a:extLst>
               <a:ext uri="{FF2B5EF4-FFF2-40B4-BE49-F238E27FC236}">
-                <a16:creationId xmlns:a16="http://schemas.microsoft.com/office/drawing/2014/main" id="{E3DD9CE3-EDB4-46B3-A583-FD2F4983D596}"/>
+                <a16:creationId xmlns:a16="http://schemas.microsoft.com/office/drawing/2014/main" id="{63D06D92-1034-4F98-BA33-D68792DCC611}"/>
               </a:ext>
             </a:extLst>
           </p:cNvPr>
@@ -597,8 +1013,8 @@
         </p:nvSpPr>
         <p:spPr>
           <a:xfrm>
-            <a:off x="235888" y="194807"/>
-            <a:ext cx="11720222" cy="6468386"/>
+            <a:off x="155575" y="152401"/>
+            <a:ext cx="11880849" cy="6516688"/>
           </a:xfrm>
           <a:prstGeom prst="rect">
             <a:avLst/>
@@ -615,16 +1031,499 @@
           </a:p>
         </p:txBody>
       </p:sp>
+      <p:sp>
+        <p:nvSpPr>
+          <p:cNvPr id="5" name="文本占位符 2">
+            <a:extLst>
+              <a:ext uri="{FF2B5EF4-FFF2-40B4-BE49-F238E27FC236}">
+                <a16:creationId xmlns:a16="http://schemas.microsoft.com/office/drawing/2014/main" id="{EAACEB4B-376E-4028-B4B7-734C34441495}"/>
+              </a:ext>
+            </a:extLst>
+          </p:cNvPr>
+          <p:cNvSpPr>
+            <a:spLocks noGrp="1"/>
+          </p:cNvSpPr>
+          <p:nvPr>
+            <p:ph idx="10" hasCustomPrompt="1"/>
+          </p:nvPr>
+        </p:nvSpPr>
+        <p:spPr>
+          <a:xfrm>
+            <a:off x="807388" y="6669088"/>
+            <a:ext cx="10577224" cy="188912"/>
+          </a:xfrm>
+          <a:prstGeom prst="rect">
+            <a:avLst/>
+          </a:prstGeom>
+        </p:spPr>
+        <p:txBody>
+          <a:bodyPr vert="horz" lIns="91440" tIns="45720" rIns="91440" bIns="45720" rtlCol="0" anchor="ctr">
+            <a:noAutofit/>
+          </a:bodyPr>
+          <a:lstStyle>
+            <a:lvl1pPr algn="ctr">
+              <a:defRPr sz="1000"/>
+            </a:lvl1pPr>
+          </a:lstStyle>
+          <a:p>
+            <a:pPr lvl="0"/>
+            <a:r>
+              <a:rPr lang="en-US" altLang="zh-CN" dirty="0"/>
+              <a:t>ref</a:t>
+            </a:r>
+            <a:endParaRPr lang="zh-CN" altLang="en-US" dirty="0"/>
+          </a:p>
+        </p:txBody>
+      </p:sp>
     </p:spTree>
     <p:extLst>
       <p:ext uri="{BB962C8B-B14F-4D97-AF65-F5344CB8AC3E}">
-        <p14:creationId xmlns:p14="http://schemas.microsoft.com/office/powerpoint/2010/main" val="2619818631"/>
+        <p14:creationId xmlns:p14="http://schemas.microsoft.com/office/powerpoint/2010/main" val="2362387727"/>
       </p:ext>
     </p:extLst>
   </p:cSld>
   <p:clrMapOvr>
     <a:masterClrMapping/>
   </p:clrMapOvr>
+  <p:extLst>
+    <p:ext uri="{DCECCB84-F9BA-43D5-87BE-67443E8EF086}">
+      <p15:sldGuideLst xmlns:p15="http://schemas.microsoft.com/office/powerpoint/2012/main">
+        <p15:guide id="1" pos="98">
+          <p15:clr>
+            <a:srgbClr val="FBAE40"/>
+          </p15:clr>
+        </p15:guide>
+        <p15:guide id="2" pos="7582">
+          <p15:clr>
+            <a:srgbClr val="FBAE40"/>
+          </p15:clr>
+        </p15:guide>
+        <p15:guide id="3" orient="horz" pos="96">
+          <p15:clr>
+            <a:srgbClr val="FBAE40"/>
+          </p15:clr>
+        </p15:guide>
+        <p15:guide id="4" orient="horz" pos="4201">
+          <p15:clr>
+            <a:srgbClr val="FBAE40"/>
+          </p15:clr>
+        </p15:guide>
+        <p15:guide id="5" orient="horz" pos="595">
+          <p15:clr>
+            <a:srgbClr val="FBAE40"/>
+          </p15:clr>
+        </p15:guide>
+      </p15:sldGuideLst>
+    </p:ext>
+  </p:extLst>
+</p:sldLayout>
+</file>
+
+<file path=ppt/slideLayouts/slideLayout5.xml><?xml version="1.0" encoding="utf-8"?>
+<p:sldLayout xmlns:a="http://schemas.openxmlformats.org/drawingml/2006/main" xmlns:r="http://schemas.openxmlformats.org/officeDocument/2006/relationships" xmlns:p="http://schemas.openxmlformats.org/presentationml/2006/main" preserve="1" userDrawn="1">
+  <p:cSld name="6_style1">
+    <p:bg bwMode="blackWhite">
+      <p:bgRef idx="1001">
+        <a:schemeClr val="bg1"/>
+      </p:bgRef>
+    </p:bg>
+    <p:spTree>
+      <p:nvGrpSpPr>
+        <p:cNvPr id="1" name=""/>
+        <p:cNvGrpSpPr/>
+        <p:nvPr/>
+      </p:nvGrpSpPr>
+      <p:grpSpPr>
+        <a:xfrm>
+          <a:off x="0" y="0"/>
+          <a:ext cx="0" cy="0"/>
+          <a:chOff x="0" y="0"/>
+          <a:chExt cx="0" cy="0"/>
+        </a:xfrm>
+      </p:grpSpPr>
+      <p:sp>
+        <p:nvSpPr>
+          <p:cNvPr id="3" name="标题占位符 1">
+            <a:extLst>
+              <a:ext uri="{FF2B5EF4-FFF2-40B4-BE49-F238E27FC236}">
+                <a16:creationId xmlns:a16="http://schemas.microsoft.com/office/drawing/2014/main" id="{E89E3029-F52D-4EC5-AEAF-C0012A8FC1F4}"/>
+              </a:ext>
+            </a:extLst>
+          </p:cNvPr>
+          <p:cNvSpPr>
+            <a:spLocks noGrp="1"/>
+          </p:cNvSpPr>
+          <p:nvPr>
+            <p:ph type="title"/>
+          </p:nvPr>
+        </p:nvSpPr>
+        <p:spPr>
+          <a:xfrm>
+            <a:off x="155575" y="161620"/>
+            <a:ext cx="11880850" cy="603555"/>
+          </a:xfrm>
+          <a:prstGeom prst="rect">
+            <a:avLst/>
+          </a:prstGeom>
+        </p:spPr>
+        <p:txBody>
+          <a:bodyPr vert="horz" lIns="91440" tIns="45720" rIns="91440" bIns="45720" rtlCol="0" anchor="ctr">
+            <a:normAutofit/>
+          </a:bodyPr>
+          <a:lstStyle>
+            <a:lvl1pPr>
+              <a:defRPr sz="3200"/>
+            </a:lvl1pPr>
+          </a:lstStyle>
+          <a:p>
+            <a:r>
+              <a:rPr lang="zh-CN" altLang="en-US" dirty="0"/>
+              <a:t>单击此处编辑母版标题样式</a:t>
+            </a:r>
+          </a:p>
+        </p:txBody>
+      </p:sp>
+      <p:sp>
+        <p:nvSpPr>
+          <p:cNvPr id="4" name="文本占位符 2">
+            <a:extLst>
+              <a:ext uri="{FF2B5EF4-FFF2-40B4-BE49-F238E27FC236}">
+                <a16:creationId xmlns:a16="http://schemas.microsoft.com/office/drawing/2014/main" id="{63D06D92-1034-4F98-BA33-D68792DCC611}"/>
+              </a:ext>
+            </a:extLst>
+          </p:cNvPr>
+          <p:cNvSpPr>
+            <a:spLocks noGrp="1"/>
+          </p:cNvSpPr>
+          <p:nvPr>
+            <p:ph idx="1"/>
+          </p:nvPr>
+        </p:nvSpPr>
+        <p:spPr>
+          <a:xfrm>
+            <a:off x="6822218" y="944564"/>
+            <a:ext cx="5214205" cy="2673280"/>
+          </a:xfrm>
+          <a:prstGeom prst="rect">
+            <a:avLst/>
+          </a:prstGeom>
+        </p:spPr>
+        <p:txBody>
+          <a:bodyPr vert="horz" lIns="91440" tIns="45720" rIns="91440" bIns="45720" rtlCol="0">
+            <a:normAutofit/>
+          </a:bodyPr>
+          <a:lstStyle/>
+          <a:p>
+            <a:pPr lvl="0"/>
+            <a:endParaRPr lang="zh-CN" altLang="en-US" dirty="0"/>
+          </a:p>
+        </p:txBody>
+      </p:sp>
+      <p:sp>
+        <p:nvSpPr>
+          <p:cNvPr id="5" name="文本占位符 2">
+            <a:extLst>
+              <a:ext uri="{FF2B5EF4-FFF2-40B4-BE49-F238E27FC236}">
+                <a16:creationId xmlns:a16="http://schemas.microsoft.com/office/drawing/2014/main" id="{EAACEB4B-376E-4028-B4B7-734C34441495}"/>
+              </a:ext>
+            </a:extLst>
+          </p:cNvPr>
+          <p:cNvSpPr>
+            <a:spLocks noGrp="1"/>
+          </p:cNvSpPr>
+          <p:nvPr>
+            <p:ph idx="10" hasCustomPrompt="1"/>
+          </p:nvPr>
+        </p:nvSpPr>
+        <p:spPr>
+          <a:xfrm>
+            <a:off x="807388" y="6669088"/>
+            <a:ext cx="10577224" cy="188912"/>
+          </a:xfrm>
+          <a:prstGeom prst="rect">
+            <a:avLst/>
+          </a:prstGeom>
+        </p:spPr>
+        <p:txBody>
+          <a:bodyPr vert="horz" lIns="91440" tIns="45720" rIns="91440" bIns="45720" rtlCol="0" anchor="ctr">
+            <a:noAutofit/>
+          </a:bodyPr>
+          <a:lstStyle>
+            <a:lvl1pPr algn="ctr">
+              <a:defRPr sz="1000"/>
+            </a:lvl1pPr>
+          </a:lstStyle>
+          <a:p>
+            <a:pPr lvl="0"/>
+            <a:r>
+              <a:rPr lang="en-US" altLang="zh-CN" dirty="0"/>
+              <a:t>ref</a:t>
+            </a:r>
+            <a:endParaRPr lang="zh-CN" altLang="en-US" dirty="0"/>
+          </a:p>
+        </p:txBody>
+      </p:sp>
+      <p:sp>
+        <p:nvSpPr>
+          <p:cNvPr id="6" name="文本占位符 2">
+            <a:extLst>
+              <a:ext uri="{FF2B5EF4-FFF2-40B4-BE49-F238E27FC236}">
+                <a16:creationId xmlns:a16="http://schemas.microsoft.com/office/drawing/2014/main" id="{63BFEED3-0CE4-4836-A4C9-1F95A500B42F}"/>
+              </a:ext>
+            </a:extLst>
+          </p:cNvPr>
+          <p:cNvSpPr>
+            <a:spLocks noGrp="1"/>
+          </p:cNvSpPr>
+          <p:nvPr>
+            <p:ph idx="11"/>
+          </p:nvPr>
+        </p:nvSpPr>
+        <p:spPr>
+          <a:xfrm>
+            <a:off x="6822217" y="3796917"/>
+            <a:ext cx="5214205" cy="2673280"/>
+          </a:xfrm>
+          <a:prstGeom prst="rect">
+            <a:avLst/>
+          </a:prstGeom>
+        </p:spPr>
+        <p:txBody>
+          <a:bodyPr vert="horz" lIns="91440" tIns="45720" rIns="91440" bIns="45720" rtlCol="0">
+            <a:normAutofit/>
+          </a:bodyPr>
+          <a:lstStyle/>
+          <a:p>
+            <a:pPr lvl="0"/>
+            <a:endParaRPr lang="zh-CN" altLang="en-US" dirty="0"/>
+          </a:p>
+        </p:txBody>
+      </p:sp>
+    </p:spTree>
+    <p:extLst>
+      <p:ext uri="{BB962C8B-B14F-4D97-AF65-F5344CB8AC3E}">
+        <p14:creationId xmlns:p14="http://schemas.microsoft.com/office/powerpoint/2010/main" val="1985348688"/>
+      </p:ext>
+    </p:extLst>
+  </p:cSld>
+  <p:clrMapOvr>
+    <a:masterClrMapping/>
+  </p:clrMapOvr>
+  <p:extLst>
+    <p:ext uri="{DCECCB84-F9BA-43D5-87BE-67443E8EF086}">
+      <p15:sldGuideLst xmlns:p15="http://schemas.microsoft.com/office/powerpoint/2012/main">
+        <p15:guide id="1" pos="98">
+          <p15:clr>
+            <a:srgbClr val="FBAE40"/>
+          </p15:clr>
+        </p15:guide>
+        <p15:guide id="2" pos="7582">
+          <p15:clr>
+            <a:srgbClr val="FBAE40"/>
+          </p15:clr>
+        </p15:guide>
+        <p15:guide id="3" orient="horz" pos="96">
+          <p15:clr>
+            <a:srgbClr val="FBAE40"/>
+          </p15:clr>
+        </p15:guide>
+        <p15:guide id="4" orient="horz" pos="4201">
+          <p15:clr>
+            <a:srgbClr val="FBAE40"/>
+          </p15:clr>
+        </p15:guide>
+        <p15:guide id="5" orient="horz" pos="595">
+          <p15:clr>
+            <a:srgbClr val="FBAE40"/>
+          </p15:clr>
+        </p15:guide>
+        <p15:guide id="6" pos="3840" userDrawn="1">
+          <p15:clr>
+            <a:srgbClr val="FBAE40"/>
+          </p15:clr>
+        </p15:guide>
+      </p15:sldGuideLst>
+    </p:ext>
+  </p:extLst>
+</p:sldLayout>
+</file>
+
+<file path=ppt/slideLayouts/slideLayout6.xml><?xml version="1.0" encoding="utf-8"?>
+<p:sldLayout xmlns:a="http://schemas.openxmlformats.org/drawingml/2006/main" xmlns:r="http://schemas.openxmlformats.org/officeDocument/2006/relationships" xmlns:p="http://schemas.openxmlformats.org/presentationml/2006/main" preserve="1" userDrawn="1">
+  <p:cSld name="7_style1">
+    <p:bg bwMode="blackWhite">
+      <p:bgRef idx="1001">
+        <a:schemeClr val="bg1"/>
+      </p:bgRef>
+    </p:bg>
+    <p:spTree>
+      <p:nvGrpSpPr>
+        <p:cNvPr id="1" name=""/>
+        <p:cNvGrpSpPr/>
+        <p:nvPr/>
+      </p:nvGrpSpPr>
+      <p:grpSpPr>
+        <a:xfrm>
+          <a:off x="0" y="0"/>
+          <a:ext cx="0" cy="0"/>
+          <a:chOff x="0" y="0"/>
+          <a:chExt cx="0" cy="0"/>
+        </a:xfrm>
+      </p:grpSpPr>
+      <p:sp>
+        <p:nvSpPr>
+          <p:cNvPr id="4" name="文本占位符 2">
+            <a:extLst>
+              <a:ext uri="{FF2B5EF4-FFF2-40B4-BE49-F238E27FC236}">
+                <a16:creationId xmlns:a16="http://schemas.microsoft.com/office/drawing/2014/main" id="{63D06D92-1034-4F98-BA33-D68792DCC611}"/>
+              </a:ext>
+            </a:extLst>
+          </p:cNvPr>
+          <p:cNvSpPr>
+            <a:spLocks noGrp="1"/>
+          </p:cNvSpPr>
+          <p:nvPr>
+            <p:ph idx="1"/>
+          </p:nvPr>
+        </p:nvSpPr>
+        <p:spPr>
+          <a:xfrm>
+            <a:off x="6822218" y="161620"/>
+            <a:ext cx="5214205" cy="2116519"/>
+          </a:xfrm>
+          <a:prstGeom prst="rect">
+            <a:avLst/>
+          </a:prstGeom>
+        </p:spPr>
+        <p:txBody>
+          <a:bodyPr vert="horz" lIns="91440" tIns="45720" rIns="91440" bIns="45720" rtlCol="0">
+            <a:normAutofit/>
+          </a:bodyPr>
+          <a:lstStyle/>
+          <a:p>
+            <a:pPr lvl="0"/>
+            <a:endParaRPr lang="zh-CN" altLang="en-US" dirty="0"/>
+          </a:p>
+        </p:txBody>
+      </p:sp>
+      <p:sp>
+        <p:nvSpPr>
+          <p:cNvPr id="7" name="文本占位符 2">
+            <a:extLst>
+              <a:ext uri="{FF2B5EF4-FFF2-40B4-BE49-F238E27FC236}">
+                <a16:creationId xmlns:a16="http://schemas.microsoft.com/office/drawing/2014/main" id="{2EDFC952-2418-48DC-B4D8-D1FA2BB224C9}"/>
+              </a:ext>
+            </a:extLst>
+          </p:cNvPr>
+          <p:cNvSpPr>
+            <a:spLocks noGrp="1"/>
+          </p:cNvSpPr>
+          <p:nvPr>
+            <p:ph idx="11"/>
+          </p:nvPr>
+        </p:nvSpPr>
+        <p:spPr>
+          <a:xfrm>
+            <a:off x="6822218" y="2360175"/>
+            <a:ext cx="5214205" cy="2116519"/>
+          </a:xfrm>
+          <a:prstGeom prst="rect">
+            <a:avLst/>
+          </a:prstGeom>
+        </p:spPr>
+        <p:txBody>
+          <a:bodyPr vert="horz" lIns="91440" tIns="45720" rIns="91440" bIns="45720" rtlCol="0">
+            <a:normAutofit/>
+          </a:bodyPr>
+          <a:lstStyle/>
+          <a:p>
+            <a:pPr lvl="0"/>
+            <a:endParaRPr lang="zh-CN" altLang="en-US" dirty="0"/>
+          </a:p>
+        </p:txBody>
+      </p:sp>
+      <p:sp>
+        <p:nvSpPr>
+          <p:cNvPr id="8" name="文本占位符 2">
+            <a:extLst>
+              <a:ext uri="{FF2B5EF4-FFF2-40B4-BE49-F238E27FC236}">
+                <a16:creationId xmlns:a16="http://schemas.microsoft.com/office/drawing/2014/main" id="{00F91F61-FDAB-420C-9A23-B173F3858DA8}"/>
+              </a:ext>
+            </a:extLst>
+          </p:cNvPr>
+          <p:cNvSpPr>
+            <a:spLocks noGrp="1"/>
+          </p:cNvSpPr>
+          <p:nvPr>
+            <p:ph idx="12"/>
+          </p:nvPr>
+        </p:nvSpPr>
+        <p:spPr>
+          <a:xfrm>
+            <a:off x="6822218" y="4558730"/>
+            <a:ext cx="5214205" cy="2116519"/>
+          </a:xfrm>
+          <a:prstGeom prst="rect">
+            <a:avLst/>
+          </a:prstGeom>
+        </p:spPr>
+        <p:txBody>
+          <a:bodyPr vert="horz" lIns="91440" tIns="45720" rIns="91440" bIns="45720" rtlCol="0">
+            <a:normAutofit/>
+          </a:bodyPr>
+          <a:lstStyle/>
+          <a:p>
+            <a:pPr lvl="0"/>
+            <a:endParaRPr lang="zh-CN" altLang="en-US" dirty="0"/>
+          </a:p>
+        </p:txBody>
+      </p:sp>
+    </p:spTree>
+    <p:extLst>
+      <p:ext uri="{BB962C8B-B14F-4D97-AF65-F5344CB8AC3E}">
+        <p14:creationId xmlns:p14="http://schemas.microsoft.com/office/powerpoint/2010/main" val="2566678598"/>
+      </p:ext>
+    </p:extLst>
+  </p:cSld>
+  <p:clrMapOvr>
+    <a:masterClrMapping/>
+  </p:clrMapOvr>
+  <p:extLst>
+    <p:ext uri="{DCECCB84-F9BA-43D5-87BE-67443E8EF086}">
+      <p15:sldGuideLst xmlns:p15="http://schemas.microsoft.com/office/powerpoint/2012/main">
+        <p15:guide id="1" pos="98">
+          <p15:clr>
+            <a:srgbClr val="FBAE40"/>
+          </p15:clr>
+        </p15:guide>
+        <p15:guide id="2" pos="7582">
+          <p15:clr>
+            <a:srgbClr val="FBAE40"/>
+          </p15:clr>
+        </p15:guide>
+        <p15:guide id="3" orient="horz" pos="96">
+          <p15:clr>
+            <a:srgbClr val="FBAE40"/>
+          </p15:clr>
+        </p15:guide>
+        <p15:guide id="4" orient="horz" pos="4201">
+          <p15:clr>
+            <a:srgbClr val="FBAE40"/>
+          </p15:clr>
+        </p15:guide>
+        <p15:guide id="5" orient="horz" pos="595">
+          <p15:clr>
+            <a:srgbClr val="FBAE40"/>
+          </p15:clr>
+        </p15:guide>
+        <p15:guide id="6" pos="3840">
+          <p15:clr>
+            <a:srgbClr val="FBAE40"/>
+          </p15:clr>
+        </p15:guide>
+      </p15:sldGuideLst>
+    </p:ext>
+  </p:extLst>
 </p:sldLayout>
 </file>
 
@@ -735,8 +1634,10 @@
   <p:sldLayoutIdLst>
     <p:sldLayoutId id="2147483654" r:id="rId1"/>
     <p:sldLayoutId id="2147483655" r:id="rId2"/>
-    <p:sldLayoutId id="2147483656" r:id="rId3"/>
-    <p:sldLayoutId id="2147483657" r:id="rId4"/>
+    <p:sldLayoutId id="2147483668" r:id="rId3"/>
+    <p:sldLayoutId id="2147483669" r:id="rId4"/>
+    <p:sldLayoutId id="2147483670" r:id="rId5"/>
+    <p:sldLayoutId id="2147483671" r:id="rId6"/>
   </p:sldLayoutIdLst>
   <p:txStyles>
     <p:titleStyle>
@@ -1311,7 +2212,7 @@
       <a:spPr>
         <a:noFill/>
       </a:spPr>
-      <a:bodyPr wrap="none" rtlCol="0">
+      <a:bodyPr wrap="square" rtlCol="0">
         <a:spAutoFit/>
       </a:bodyPr>
       <a:lstStyle>
@@ -1322,7 +2223,7 @@
           <a:spcBef>
             <a:spcPts val="1000"/>
           </a:spcBef>
-          <a:defRPr sz="2800" dirty="0" smtClean="0">
+          <a:defRPr sz="1800" dirty="0" smtClean="0">
             <a:latin typeface="微软雅黑" panose="020B0503020204020204" pitchFamily="34" charset="-122"/>
             <a:ea typeface="微软雅黑" panose="020B0503020204020204" pitchFamily="34" charset="-122"/>
           </a:defRPr>
@@ -1337,4 +2238,299 @@
     </a:ext>
   </a:extLst>
 </a:theme>
+</file>
+
+<file path=ppt/theme/theme2.xml><?xml version="1.0" encoding="utf-8"?>
+<a:theme xmlns:a="http://schemas.openxmlformats.org/drawingml/2006/main" name="Office 主题​​">
+  <a:themeElements>
+    <a:clrScheme name="Office">
+      <a:dk1>
+        <a:sysClr val="windowText" lastClr="000000"/>
+      </a:dk1>
+      <a:lt1>
+        <a:sysClr val="window" lastClr="FFFFFF"/>
+      </a:lt1>
+      <a:dk2>
+        <a:srgbClr val="44546A"/>
+      </a:dk2>
+      <a:lt2>
+        <a:srgbClr val="E7E6E6"/>
+      </a:lt2>
+      <a:accent1>
+        <a:srgbClr val="4472C4"/>
+      </a:accent1>
+      <a:accent2>
+        <a:srgbClr val="ED7D31"/>
+      </a:accent2>
+      <a:accent3>
+        <a:srgbClr val="A5A5A5"/>
+      </a:accent3>
+      <a:accent4>
+        <a:srgbClr val="FFC000"/>
+      </a:accent4>
+      <a:accent5>
+        <a:srgbClr val="5B9BD5"/>
+      </a:accent5>
+      <a:accent6>
+        <a:srgbClr val="70AD47"/>
+      </a:accent6>
+      <a:hlink>
+        <a:srgbClr val="0563C1"/>
+      </a:hlink>
+      <a:folHlink>
+        <a:srgbClr val="954F72"/>
+      </a:folHlink>
+    </a:clrScheme>
+    <a:fontScheme name="Office">
+      <a:majorFont>
+        <a:latin typeface="等线 Light" panose="020F0302020204030204"/>
+        <a:ea typeface=""/>
+        <a:cs typeface=""/>
+        <a:font script="Jpan" typeface="游ゴシック Light"/>
+        <a:font script="Hang" typeface="맑은 고딕"/>
+        <a:font script="Hans" typeface="等线 Light"/>
+        <a:font script="Hant" typeface="新細明體"/>
+        <a:font script="Arab" typeface="Times New Roman"/>
+        <a:font script="Hebr" typeface="Times New Roman"/>
+        <a:font script="Thai" typeface="Angsana New"/>
+        <a:font script="Ethi" typeface="Nyala"/>
+        <a:font script="Beng" typeface="Vrinda"/>
+        <a:font script="Gujr" typeface="Shruti"/>
+        <a:font script="Khmr" typeface="MoolBoran"/>
+        <a:font script="Knda" typeface="Tunga"/>
+        <a:font script="Guru" typeface="Raavi"/>
+        <a:font script="Cans" typeface="Euphemia"/>
+        <a:font script="Cher" typeface="Plantagenet Cherokee"/>
+        <a:font script="Yiii" typeface="Microsoft Yi Baiti"/>
+        <a:font script="Tibt" typeface="Microsoft Himalaya"/>
+        <a:font script="Thaa" typeface="MV Boli"/>
+        <a:font script="Deva" typeface="Mangal"/>
+        <a:font script="Telu" typeface="Gautami"/>
+        <a:font script="Taml" typeface="Latha"/>
+        <a:font script="Syrc" typeface="Estrangelo Edessa"/>
+        <a:font script="Orya" typeface="Kalinga"/>
+        <a:font script="Mlym" typeface="Kartika"/>
+        <a:font script="Laoo" typeface="DokChampa"/>
+        <a:font script="Sinh" typeface="Iskoola Pota"/>
+        <a:font script="Mong" typeface="Mongolian Baiti"/>
+        <a:font script="Viet" typeface="Times New Roman"/>
+        <a:font script="Uigh" typeface="Microsoft Uighur"/>
+        <a:font script="Geor" typeface="Sylfaen"/>
+        <a:font script="Armn" typeface="Arial"/>
+        <a:font script="Bugi" typeface="Leelawadee UI"/>
+        <a:font script="Bopo" typeface="Microsoft JhengHei"/>
+        <a:font script="Java" typeface="Javanese Text"/>
+        <a:font script="Lisu" typeface="Segoe UI"/>
+        <a:font script="Mymr" typeface="Myanmar Text"/>
+        <a:font script="Nkoo" typeface="Ebrima"/>
+        <a:font script="Olck" typeface="Nirmala UI"/>
+        <a:font script="Osma" typeface="Ebrima"/>
+        <a:font script="Phag" typeface="Phagspa"/>
+        <a:font script="Syrn" typeface="Estrangelo Edessa"/>
+        <a:font script="Syrj" typeface="Estrangelo Edessa"/>
+        <a:font script="Syre" typeface="Estrangelo Edessa"/>
+        <a:font script="Sora" typeface="Nirmala UI"/>
+        <a:font script="Tale" typeface="Microsoft Tai Le"/>
+        <a:font script="Talu" typeface="Microsoft New Tai Lue"/>
+        <a:font script="Tfng" typeface="Ebrima"/>
+      </a:majorFont>
+      <a:minorFont>
+        <a:latin typeface="等线" panose="020F0502020204030204"/>
+        <a:ea typeface=""/>
+        <a:cs typeface=""/>
+        <a:font script="Jpan" typeface="游ゴシック"/>
+        <a:font script="Hang" typeface="맑은 고딕"/>
+        <a:font script="Hans" typeface="等线"/>
+        <a:font script="Hant" typeface="新細明體"/>
+        <a:font script="Arab" typeface="Arial"/>
+        <a:font script="Hebr" typeface="Arial"/>
+        <a:font script="Thai" typeface="Cordia New"/>
+        <a:font script="Ethi" typeface="Nyala"/>
+        <a:font script="Beng" typeface="Vrinda"/>
+        <a:font script="Gujr" typeface="Shruti"/>
+        <a:font script="Khmr" typeface="DaunPenh"/>
+        <a:font script="Knda" typeface="Tunga"/>
+        <a:font script="Guru" typeface="Raavi"/>
+        <a:font script="Cans" typeface="Euphemia"/>
+        <a:font script="Cher" typeface="Plantagenet Cherokee"/>
+        <a:font script="Yiii" typeface="Microsoft Yi Baiti"/>
+        <a:font script="Tibt" typeface="Microsoft Himalaya"/>
+        <a:font script="Thaa" typeface="MV Boli"/>
+        <a:font script="Deva" typeface="Mangal"/>
+        <a:font script="Telu" typeface="Gautami"/>
+        <a:font script="Taml" typeface="Latha"/>
+        <a:font script="Syrc" typeface="Estrangelo Edessa"/>
+        <a:font script="Orya" typeface="Kalinga"/>
+        <a:font script="Mlym" typeface="Kartika"/>
+        <a:font script="Laoo" typeface="DokChampa"/>
+        <a:font script="Sinh" typeface="Iskoola Pota"/>
+        <a:font script="Mong" typeface="Mongolian Baiti"/>
+        <a:font script="Viet" typeface="Arial"/>
+        <a:font script="Uigh" typeface="Microsoft Uighur"/>
+        <a:font script="Geor" typeface="Sylfaen"/>
+        <a:font script="Armn" typeface="Arial"/>
+        <a:font script="Bugi" typeface="Leelawadee UI"/>
+        <a:font script="Bopo" typeface="Microsoft JhengHei"/>
+        <a:font script="Java" typeface="Javanese Text"/>
+        <a:font script="Lisu" typeface="Segoe UI"/>
+        <a:font script="Mymr" typeface="Myanmar Text"/>
+        <a:font script="Nkoo" typeface="Ebrima"/>
+        <a:font script="Olck" typeface="Nirmala UI"/>
+        <a:font script="Osma" typeface="Ebrima"/>
+        <a:font script="Phag" typeface="Phagspa"/>
+        <a:font script="Syrn" typeface="Estrangelo Edessa"/>
+        <a:font script="Syrj" typeface="Estrangelo Edessa"/>
+        <a:font script="Syre" typeface="Estrangelo Edessa"/>
+        <a:font script="Sora" typeface="Nirmala UI"/>
+        <a:font script="Tale" typeface="Microsoft Tai Le"/>
+        <a:font script="Talu" typeface="Microsoft New Tai Lue"/>
+        <a:font script="Tfng" typeface="Ebrima"/>
+      </a:minorFont>
+    </a:fontScheme>
+    <a:fmtScheme name="Office">
+      <a:fillStyleLst>
+        <a:solidFill>
+          <a:schemeClr val="phClr"/>
+        </a:solidFill>
+        <a:gradFill rotWithShape="1">
+          <a:gsLst>
+            <a:gs pos="0">
+              <a:schemeClr val="phClr">
+                <a:lumMod val="110000"/>
+                <a:satMod val="105000"/>
+                <a:tint val="67000"/>
+              </a:schemeClr>
+            </a:gs>
+            <a:gs pos="50000">
+              <a:schemeClr val="phClr">
+                <a:lumMod val="105000"/>
+                <a:satMod val="103000"/>
+                <a:tint val="73000"/>
+              </a:schemeClr>
+            </a:gs>
+            <a:gs pos="100000">
+              <a:schemeClr val="phClr">
+                <a:lumMod val="105000"/>
+                <a:satMod val="109000"/>
+                <a:tint val="81000"/>
+              </a:schemeClr>
+            </a:gs>
+          </a:gsLst>
+          <a:lin ang="5400000" scaled="0"/>
+        </a:gradFill>
+        <a:gradFill rotWithShape="1">
+          <a:gsLst>
+            <a:gs pos="0">
+              <a:schemeClr val="phClr">
+                <a:satMod val="103000"/>
+                <a:lumMod val="102000"/>
+                <a:tint val="94000"/>
+              </a:schemeClr>
+            </a:gs>
+            <a:gs pos="50000">
+              <a:schemeClr val="phClr">
+                <a:satMod val="110000"/>
+                <a:lumMod val="100000"/>
+                <a:shade val="100000"/>
+              </a:schemeClr>
+            </a:gs>
+            <a:gs pos="100000">
+              <a:schemeClr val="phClr">
+                <a:lumMod val="99000"/>
+                <a:satMod val="120000"/>
+                <a:shade val="78000"/>
+              </a:schemeClr>
+            </a:gs>
+          </a:gsLst>
+          <a:lin ang="5400000" scaled="0"/>
+        </a:gradFill>
+      </a:fillStyleLst>
+      <a:lnStyleLst>
+        <a:ln w="6350" cap="flat" cmpd="sng" algn="ctr">
+          <a:solidFill>
+            <a:schemeClr val="phClr"/>
+          </a:solidFill>
+          <a:prstDash val="solid"/>
+          <a:miter lim="800000"/>
+        </a:ln>
+        <a:ln w="12700" cap="flat" cmpd="sng" algn="ctr">
+          <a:solidFill>
+            <a:schemeClr val="phClr"/>
+          </a:solidFill>
+          <a:prstDash val="solid"/>
+          <a:miter lim="800000"/>
+        </a:ln>
+        <a:ln w="19050" cap="flat" cmpd="sng" algn="ctr">
+          <a:solidFill>
+            <a:schemeClr val="phClr"/>
+          </a:solidFill>
+          <a:prstDash val="solid"/>
+          <a:miter lim="800000"/>
+        </a:ln>
+      </a:lnStyleLst>
+      <a:effectStyleLst>
+        <a:effectStyle>
+          <a:effectLst/>
+        </a:effectStyle>
+        <a:effectStyle>
+          <a:effectLst/>
+        </a:effectStyle>
+        <a:effectStyle>
+          <a:effectLst>
+            <a:outerShdw blurRad="57150" dist="19050" dir="5400000" algn="ctr" rotWithShape="0">
+              <a:srgbClr val="000000">
+                <a:alpha val="63000"/>
+              </a:srgbClr>
+            </a:outerShdw>
+          </a:effectLst>
+        </a:effectStyle>
+      </a:effectStyleLst>
+      <a:bgFillStyleLst>
+        <a:solidFill>
+          <a:schemeClr val="phClr"/>
+        </a:solidFill>
+        <a:solidFill>
+          <a:schemeClr val="phClr">
+            <a:tint val="95000"/>
+            <a:satMod val="170000"/>
+          </a:schemeClr>
+        </a:solidFill>
+        <a:gradFill rotWithShape="1">
+          <a:gsLst>
+            <a:gs pos="0">
+              <a:schemeClr val="phClr">
+                <a:tint val="93000"/>
+                <a:satMod val="150000"/>
+                <a:shade val="98000"/>
+                <a:lumMod val="102000"/>
+              </a:schemeClr>
+            </a:gs>
+            <a:gs pos="50000">
+              <a:schemeClr val="phClr">
+                <a:tint val="98000"/>
+                <a:satMod val="130000"/>
+                <a:shade val="90000"/>
+                <a:lumMod val="103000"/>
+              </a:schemeClr>
+            </a:gs>
+            <a:gs pos="100000">
+              <a:schemeClr val="phClr">
+                <a:shade val="63000"/>
+                <a:satMod val="120000"/>
+              </a:schemeClr>
+            </a:gs>
+          </a:gsLst>
+          <a:lin ang="5400000" scaled="0"/>
+        </a:gradFill>
+      </a:bgFillStyleLst>
+    </a:fmtScheme>
+  </a:themeElements>
+  <a:objectDefaults/>
+  <a:extraClrSchemeLst/>
+  <a:extLst>
+    <a:ext uri="{05A4C25C-085E-4340-85A3-A5531E510DB2}">
+      <thm15:themeFamily xmlns:thm15="http://schemas.microsoft.com/office/thememl/2012/main" name="Office Theme" id="{62F939B6-93AF-4DB8-9C6B-D6C7DFDC589F}" vid="{4A3C46E8-61CC-4603-A589-7422A47A8E4A}"/>
+    </a:ext>
+  </a:extLst>
+</a:theme>
 </file>
--- a/2019date-topic-compact.pptx
+++ b/2019date-topic-compact.pptx
@@ -194,7 +194,7 @@
           <a:p>
             <a:fld id="{AFF424CA-613D-4A6D-9828-D60F413DB4BF}" type="datetimeFigureOut">
               <a:rPr lang="zh-CN" altLang="en-US" smtClean="0"/>
-              <a:t>2019.11.25</a:t>
+              <a:t>2019.12.20</a:t>
             </a:fld>
             <a:endParaRPr lang="zh-CN" altLang="en-US"/>
           </a:p>
@@ -480,109 +480,260 @@
       </p:grpSpPr>
       <p:sp>
         <p:nvSpPr>
-          <p:cNvPr id="5" name="标题 1">
+          <p:cNvPr id="3" name="标题 1">
             <a:extLst>
               <a:ext uri="{FF2B5EF4-FFF2-40B4-BE49-F238E27FC236}">
-                <a16:creationId xmlns:a16="http://schemas.microsoft.com/office/drawing/2014/main" id="{79F64E10-C4C5-4E43-B70C-515E0E6391A2}"/>
+                <a16:creationId xmlns:a16="http://schemas.microsoft.com/office/drawing/2014/main" id="{9708CDAB-557D-4247-A9F8-5644F2EDF11E}"/>
               </a:ext>
             </a:extLst>
           </p:cNvPr>
-          <p:cNvSpPr>
-            <a:spLocks noGrp="1"/>
+          <p:cNvSpPr txBox="1">
+            <a:spLocks/>
           </p:cNvSpPr>
-          <p:nvPr>
-            <p:ph type="ctrTitle" hasCustomPrompt="1"/>
-          </p:nvPr>
+          <p:nvPr userDrawn="1"/>
         </p:nvSpPr>
         <p:spPr>
           <a:xfrm>
             <a:off x="1524000" y="1122363"/>
             <a:ext cx="9144000" cy="2387600"/>
           </a:xfrm>
+          <a:prstGeom prst="rect">
+            <a:avLst/>
+          </a:prstGeom>
         </p:spPr>
         <p:txBody>
           <a:bodyPr anchor="b">
             <a:normAutofit/>
           </a:bodyPr>
           <a:lstStyle>
-            <a:lvl1pPr algn="ctr">
-              <a:defRPr sz="5400"/>
+            <a:lvl1pPr algn="ctr" defTabSz="914400" rtl="0" eaLnBrk="1" latinLnBrk="0" hangingPunct="1">
+              <a:lnSpc>
+                <a:spcPct val="90000"/>
+              </a:lnSpc>
+              <a:spcBef>
+                <a:spcPct val="0"/>
+              </a:spcBef>
+              <a:buNone/>
+              <a:defRPr sz="5400" kern="1200">
+                <a:solidFill>
+                  <a:schemeClr val="tx1"/>
+                </a:solidFill>
+                <a:latin typeface="+mj-lt"/>
+                <a:ea typeface="+mj-ea"/>
+                <a:cs typeface="+mj-cs"/>
+              </a:defRPr>
             </a:lvl1pPr>
           </a:lstStyle>
           <a:p>
             <a:r>
-              <a:rPr lang="en-US" altLang="zh-CN" dirty="0"/>
+              <a:rPr lang="en-US" altLang="zh-CN" dirty="0">
+                <a:latin typeface="微软雅黑" panose="020B0503020204020204" pitchFamily="34" charset="-122"/>
+                <a:ea typeface="微软雅黑" panose="020B0503020204020204" pitchFamily="34" charset="-122"/>
+              </a:rPr>
               <a:t>Title</a:t>
             </a:r>
-            <a:endParaRPr lang="zh-CN" altLang="en-US" dirty="0"/>
-          </a:p>
-        </p:txBody>
-      </p:sp>
-      <p:sp>
-        <p:nvSpPr>
-          <p:cNvPr id="6" name="副标题 2">
+            <a:endParaRPr lang="zh-CN" altLang="en-US" dirty="0">
+              <a:latin typeface="微软雅黑" panose="020B0503020204020204" pitchFamily="34" charset="-122"/>
+              <a:ea typeface="微软雅黑" panose="020B0503020204020204" pitchFamily="34" charset="-122"/>
+            </a:endParaRPr>
+          </a:p>
+        </p:txBody>
+      </p:sp>
+      <p:sp>
+        <p:nvSpPr>
+          <p:cNvPr id="4" name="副标题 2">
             <a:extLst>
               <a:ext uri="{FF2B5EF4-FFF2-40B4-BE49-F238E27FC236}">
-                <a16:creationId xmlns:a16="http://schemas.microsoft.com/office/drawing/2014/main" id="{1E57C965-29C9-4CAB-8E55-13C32463FE88}"/>
+                <a16:creationId xmlns:a16="http://schemas.microsoft.com/office/drawing/2014/main" id="{7839351A-7240-42CC-82F1-F8AFB2118DF1}"/>
               </a:ext>
             </a:extLst>
           </p:cNvPr>
-          <p:cNvSpPr>
-            <a:spLocks noGrp="1"/>
+          <p:cNvSpPr txBox="1">
+            <a:spLocks/>
           </p:cNvSpPr>
-          <p:nvPr>
-            <p:ph type="subTitle" idx="1" hasCustomPrompt="1"/>
-          </p:nvPr>
+          <p:nvPr userDrawn="1"/>
         </p:nvSpPr>
         <p:spPr>
           <a:xfrm>
             <a:off x="1524000" y="3602038"/>
             <a:ext cx="9144000" cy="1655762"/>
           </a:xfrm>
+          <a:prstGeom prst="rect">
+            <a:avLst/>
+          </a:prstGeom>
         </p:spPr>
         <p:txBody>
           <a:bodyPr anchor="b"/>
           <a:lstStyle>
-            <a:lvl1pPr marL="0" indent="0" algn="r">
+            <a:lvl1pPr marL="0" indent="0" algn="r" defTabSz="914400" rtl="0" eaLnBrk="1" latinLnBrk="0" hangingPunct="1">
+              <a:lnSpc>
+                <a:spcPct val="90000"/>
+              </a:lnSpc>
+              <a:spcBef>
+                <a:spcPts val="1000"/>
+              </a:spcBef>
+              <a:buFont typeface="Arial" panose="020B0604020202020204" pitchFamily="34" charset="0"/>
               <a:buNone/>
-              <a:defRPr sz="2400"/>
+              <a:defRPr sz="2400" kern="1200">
+                <a:solidFill>
+                  <a:schemeClr val="tx1"/>
+                </a:solidFill>
+                <a:latin typeface="+mn-lt"/>
+                <a:ea typeface="+mn-ea"/>
+                <a:cs typeface="+mn-cs"/>
+              </a:defRPr>
             </a:lvl1pPr>
-            <a:lvl2pPr marL="457200" indent="0" algn="ctr">
+            <a:lvl2pPr marL="457200" indent="0" algn="ctr" defTabSz="914400" rtl="0" eaLnBrk="1" latinLnBrk="0" hangingPunct="1">
+              <a:lnSpc>
+                <a:spcPct val="90000"/>
+              </a:lnSpc>
+              <a:spcBef>
+                <a:spcPts val="500"/>
+              </a:spcBef>
+              <a:buFont typeface="Arial" panose="020B0604020202020204" pitchFamily="34" charset="0"/>
               <a:buNone/>
-              <a:defRPr sz="2000"/>
+              <a:defRPr sz="2000" kern="1200">
+                <a:solidFill>
+                  <a:schemeClr val="tx1"/>
+                </a:solidFill>
+                <a:latin typeface="+mn-lt"/>
+                <a:ea typeface="+mn-ea"/>
+                <a:cs typeface="+mn-cs"/>
+              </a:defRPr>
             </a:lvl2pPr>
-            <a:lvl3pPr marL="914400" indent="0" algn="ctr">
+            <a:lvl3pPr marL="914400" indent="0" algn="ctr" defTabSz="914400" rtl="0" eaLnBrk="1" latinLnBrk="0" hangingPunct="1">
+              <a:lnSpc>
+                <a:spcPct val="90000"/>
+              </a:lnSpc>
+              <a:spcBef>
+                <a:spcPts val="500"/>
+              </a:spcBef>
+              <a:buFont typeface="Arial" panose="020B0604020202020204" pitchFamily="34" charset="0"/>
               <a:buNone/>
-              <a:defRPr sz="1800"/>
+              <a:defRPr sz="1800" kern="1200">
+                <a:solidFill>
+                  <a:schemeClr val="tx1"/>
+                </a:solidFill>
+                <a:latin typeface="+mn-lt"/>
+                <a:ea typeface="+mn-ea"/>
+                <a:cs typeface="+mn-cs"/>
+              </a:defRPr>
             </a:lvl3pPr>
-            <a:lvl4pPr marL="1371600" indent="0" algn="ctr">
+            <a:lvl4pPr marL="1371600" indent="0" algn="ctr" defTabSz="914400" rtl="0" eaLnBrk="1" latinLnBrk="0" hangingPunct="1">
+              <a:lnSpc>
+                <a:spcPct val="90000"/>
+              </a:lnSpc>
+              <a:spcBef>
+                <a:spcPts val="500"/>
+              </a:spcBef>
+              <a:buFont typeface="Arial" panose="020B0604020202020204" pitchFamily="34" charset="0"/>
               <a:buNone/>
-              <a:defRPr sz="1600"/>
+              <a:defRPr sz="1600" kern="1200">
+                <a:solidFill>
+                  <a:schemeClr val="tx1"/>
+                </a:solidFill>
+                <a:latin typeface="+mn-lt"/>
+                <a:ea typeface="+mn-ea"/>
+                <a:cs typeface="+mn-cs"/>
+              </a:defRPr>
             </a:lvl4pPr>
-            <a:lvl5pPr marL="1828800" indent="0" algn="ctr">
+            <a:lvl5pPr marL="1828800" indent="0" algn="ctr" defTabSz="914400" rtl="0" eaLnBrk="1" latinLnBrk="0" hangingPunct="1">
+              <a:lnSpc>
+                <a:spcPct val="90000"/>
+              </a:lnSpc>
+              <a:spcBef>
+                <a:spcPts val="500"/>
+              </a:spcBef>
+              <a:buFont typeface="Arial" panose="020B0604020202020204" pitchFamily="34" charset="0"/>
               <a:buNone/>
-              <a:defRPr sz="1600"/>
+              <a:defRPr sz="1600" kern="1200">
+                <a:solidFill>
+                  <a:schemeClr val="tx1"/>
+                </a:solidFill>
+                <a:latin typeface="+mn-lt"/>
+                <a:ea typeface="+mn-ea"/>
+                <a:cs typeface="+mn-cs"/>
+              </a:defRPr>
             </a:lvl5pPr>
-            <a:lvl6pPr marL="2286000" indent="0" algn="ctr">
+            <a:lvl6pPr marL="2286000" indent="0" algn="ctr" defTabSz="914400" rtl="0" eaLnBrk="1" latinLnBrk="0" hangingPunct="1">
+              <a:lnSpc>
+                <a:spcPct val="90000"/>
+              </a:lnSpc>
+              <a:spcBef>
+                <a:spcPts val="500"/>
+              </a:spcBef>
+              <a:buFont typeface="Arial" panose="020B0604020202020204" pitchFamily="34" charset="0"/>
               <a:buNone/>
-              <a:defRPr sz="1600"/>
+              <a:defRPr sz="1600" kern="1200">
+                <a:solidFill>
+                  <a:schemeClr val="tx1"/>
+                </a:solidFill>
+                <a:latin typeface="+mn-lt"/>
+                <a:ea typeface="+mn-ea"/>
+                <a:cs typeface="+mn-cs"/>
+              </a:defRPr>
             </a:lvl6pPr>
-            <a:lvl7pPr marL="2743200" indent="0" algn="ctr">
+            <a:lvl7pPr marL="2743200" indent="0" algn="ctr" defTabSz="914400" rtl="0" eaLnBrk="1" latinLnBrk="0" hangingPunct="1">
+              <a:lnSpc>
+                <a:spcPct val="90000"/>
+              </a:lnSpc>
+              <a:spcBef>
+                <a:spcPts val="500"/>
+              </a:spcBef>
+              <a:buFont typeface="Arial" panose="020B0604020202020204" pitchFamily="34" charset="0"/>
               <a:buNone/>
-              <a:defRPr sz="1600"/>
+              <a:defRPr sz="1600" kern="1200">
+                <a:solidFill>
+                  <a:schemeClr val="tx1"/>
+                </a:solidFill>
+                <a:latin typeface="+mn-lt"/>
+                <a:ea typeface="+mn-ea"/>
+                <a:cs typeface="+mn-cs"/>
+              </a:defRPr>
             </a:lvl7pPr>
-            <a:lvl8pPr marL="3200400" indent="0" algn="ctr">
+            <a:lvl8pPr marL="3200400" indent="0" algn="ctr" defTabSz="914400" rtl="0" eaLnBrk="1" latinLnBrk="0" hangingPunct="1">
+              <a:lnSpc>
+                <a:spcPct val="90000"/>
+              </a:lnSpc>
+              <a:spcBef>
+                <a:spcPts val="500"/>
+              </a:spcBef>
+              <a:buFont typeface="Arial" panose="020B0604020202020204" pitchFamily="34" charset="0"/>
               <a:buNone/>
-              <a:defRPr sz="1600"/>
+              <a:defRPr sz="1600" kern="1200">
+                <a:solidFill>
+                  <a:schemeClr val="tx1"/>
+                </a:solidFill>
+                <a:latin typeface="+mn-lt"/>
+                <a:ea typeface="+mn-ea"/>
+                <a:cs typeface="+mn-cs"/>
+              </a:defRPr>
             </a:lvl8pPr>
-            <a:lvl9pPr marL="3657600" indent="0" algn="ctr">
+            <a:lvl9pPr marL="3657600" indent="0" algn="ctr" defTabSz="914400" rtl="0" eaLnBrk="1" latinLnBrk="0" hangingPunct="1">
+              <a:lnSpc>
+                <a:spcPct val="90000"/>
+              </a:lnSpc>
+              <a:spcBef>
+                <a:spcPts val="500"/>
+              </a:spcBef>
+              <a:buFont typeface="Arial" panose="020B0604020202020204" pitchFamily="34" charset="0"/>
               <a:buNone/>
-              <a:defRPr sz="1600"/>
+              <a:defRPr sz="1600" kern="1200">
+                <a:solidFill>
+                  <a:schemeClr val="tx1"/>
+                </a:solidFill>
+                <a:latin typeface="+mn-lt"/>
+                <a:ea typeface="+mn-ea"/>
+                <a:cs typeface="+mn-cs"/>
+              </a:defRPr>
             </a:lvl9pPr>
           </a:lstStyle>
           <a:p>
             <a:r>
-              <a:rPr lang="en-US" altLang="zh-CN" dirty="0"/>
+              <a:rPr lang="en-US" altLang="zh-CN" dirty="0">
+                <a:latin typeface="微软雅黑" panose="020B0503020204020204" pitchFamily="34" charset="-122"/>
+                <a:ea typeface="微软雅黑" panose="020B0503020204020204" pitchFamily="34" charset="-122"/>
+              </a:rPr>
               <a:t>name, time</a:t>
             </a:r>
           </a:p>
@@ -601,14 +752,9 @@
 </p:sldLayout>
 </file>
 
-<file path=ppt/slideLayouts/slideLayout2.xml><?xml version="1.0" encoding="utf-8"?>
+<file path=ppt/slideLayouts/slideLayout10.xml><?xml version="1.0" encoding="utf-8"?>
 <p:sldLayout xmlns:a="http://schemas.openxmlformats.org/drawingml/2006/main" xmlns:r="http://schemas.openxmlformats.org/officeDocument/2006/relationships" xmlns:p="http://schemas.openxmlformats.org/presentationml/2006/main" preserve="1" userDrawn="1">
-  <p:cSld name="style1">
-    <p:bg bwMode="blackWhite">
-      <p:bgRef idx="1001">
-        <a:schemeClr val="bg1"/>
-      </p:bgRef>
-    </p:bg>
+  <p:cSld name="tribel">
     <p:spTree>
       <p:nvGrpSpPr>
         <p:cNvPr id="1" name=""/>
@@ -625,10 +771,10 @@
       </p:grpSpPr>
       <p:sp>
         <p:nvSpPr>
-          <p:cNvPr id="3" name="标题占位符 1">
+          <p:cNvPr id="11" name="文本占位符 2">
             <a:extLst>
               <a:ext uri="{FF2B5EF4-FFF2-40B4-BE49-F238E27FC236}">
-                <a16:creationId xmlns:a16="http://schemas.microsoft.com/office/drawing/2014/main" id="{E89E3029-F52D-4EC5-AEAF-C0012A8FC1F4}"/>
+                <a16:creationId xmlns:a16="http://schemas.microsoft.com/office/drawing/2014/main" id="{6FDBBBC5-ABEA-491E-947C-C86031E9712B}"/>
               </a:ext>
             </a:extLst>
           </p:cNvPr>
@@ -636,28 +782,30 @@
             <a:spLocks noGrp="1"/>
           </p:cNvSpPr>
           <p:nvPr>
-            <p:ph type="title"/>
+            <p:ph idx="11"/>
           </p:nvPr>
         </p:nvSpPr>
         <p:spPr>
           <a:xfrm>
-            <a:off x="155575" y="161620"/>
-            <a:ext cx="11880850" cy="927405"/>
-          </a:xfrm>
-          <a:prstGeom prst="rect">
-            <a:avLst/>
-          </a:prstGeom>
-        </p:spPr>
-        <p:txBody>
-          <a:bodyPr vert="horz" lIns="91440" tIns="45720" rIns="91440" bIns="45720" rtlCol="0" anchor="ctr">
+            <a:off x="7535863" y="228600"/>
+            <a:ext cx="4572647" cy="2120900"/>
+          </a:xfrm>
+          <a:prstGeom prst="rect">
+            <a:avLst/>
+          </a:prstGeom>
+        </p:spPr>
+        <p:txBody>
+          <a:bodyPr vert="horz" lIns="91440" tIns="45720" rIns="91440" bIns="45720" rtlCol="0">
             <a:normAutofit/>
           </a:bodyPr>
-          <a:lstStyle/>
-          <a:p>
-            <a:r>
-              <a:rPr lang="zh-CN" altLang="en-US" dirty="0"/>
-              <a:t>单击此处编辑母版标题样式</a:t>
-            </a:r>
+          <a:lstStyle>
+            <a:lvl1pPr>
+              <a:defRPr sz="1800"/>
+            </a:lvl1pPr>
+          </a:lstStyle>
+          <a:p>
+            <a:pPr lvl="0"/>
+            <a:endParaRPr lang="zh-CN" altLang="en-US" dirty="0"/>
           </a:p>
         </p:txBody>
       </p:sp>
@@ -666,7 +814,7 @@
           <p:cNvPr id="4" name="文本占位符 2">
             <a:extLst>
               <a:ext uri="{FF2B5EF4-FFF2-40B4-BE49-F238E27FC236}">
-                <a16:creationId xmlns:a16="http://schemas.microsoft.com/office/drawing/2014/main" id="{63D06D92-1034-4F98-BA33-D68792DCC611}"/>
+                <a16:creationId xmlns:a16="http://schemas.microsoft.com/office/drawing/2014/main" id="{F0C5FB48-2F4D-406B-BF79-FAD2D595B0A4}"/>
               </a:ext>
             </a:extLst>
           </p:cNvPr>
@@ -674,13 +822,13 @@
             <a:spLocks noGrp="1"/>
           </p:cNvSpPr>
           <p:nvPr>
-            <p:ph idx="1"/>
+            <p:ph idx="12"/>
           </p:nvPr>
         </p:nvSpPr>
         <p:spPr>
           <a:xfrm>
-            <a:off x="155575" y="1268414"/>
-            <a:ext cx="11880849" cy="5400674"/>
+            <a:off x="7535861" y="4483100"/>
+            <a:ext cx="4572647" cy="2120900"/>
           </a:xfrm>
           <a:prstGeom prst="rect">
             <a:avLst/>
@@ -690,7 +838,11 @@
           <a:bodyPr vert="horz" lIns="91440" tIns="45720" rIns="91440" bIns="45720" rtlCol="0">
             <a:normAutofit/>
           </a:bodyPr>
-          <a:lstStyle/>
+          <a:lstStyle>
+            <a:lvl1pPr>
+              <a:defRPr sz="1800"/>
+            </a:lvl1pPr>
+          </a:lstStyle>
           <a:p>
             <a:pPr lvl="0"/>
             <a:endParaRPr lang="zh-CN" altLang="en-US" dirty="0"/>
@@ -702,7 +854,7 @@
           <p:cNvPr id="5" name="文本占位符 2">
             <a:extLst>
               <a:ext uri="{FF2B5EF4-FFF2-40B4-BE49-F238E27FC236}">
-                <a16:creationId xmlns:a16="http://schemas.microsoft.com/office/drawing/2014/main" id="{EAACEB4B-376E-4028-B4B7-734C34441495}"/>
+                <a16:creationId xmlns:a16="http://schemas.microsoft.com/office/drawing/2014/main" id="{975F26B5-FEF0-40F6-A372-07D90E74DD72}"/>
               </a:ext>
             </a:extLst>
           </p:cNvPr>
@@ -710,33 +862,29 @@
             <a:spLocks noGrp="1"/>
           </p:cNvSpPr>
           <p:nvPr>
-            <p:ph idx="10" hasCustomPrompt="1"/>
+            <p:ph idx="13"/>
           </p:nvPr>
         </p:nvSpPr>
         <p:spPr>
           <a:xfrm>
-            <a:off x="807388" y="6669088"/>
-            <a:ext cx="10577224" cy="188912"/>
-          </a:xfrm>
-          <a:prstGeom prst="rect">
-            <a:avLst/>
-          </a:prstGeom>
-        </p:spPr>
-        <p:txBody>
-          <a:bodyPr vert="horz" lIns="91440" tIns="45720" rIns="91440" bIns="45720" rtlCol="0" anchor="ctr">
-            <a:noAutofit/>
+            <a:off x="7535862" y="2349500"/>
+            <a:ext cx="4572647" cy="2120900"/>
+          </a:xfrm>
+          <a:prstGeom prst="rect">
+            <a:avLst/>
+          </a:prstGeom>
+        </p:spPr>
+        <p:txBody>
+          <a:bodyPr vert="horz" lIns="91440" tIns="45720" rIns="91440" bIns="45720" rtlCol="0">
+            <a:normAutofit/>
           </a:bodyPr>
           <a:lstStyle>
-            <a:lvl1pPr algn="ctr">
-              <a:defRPr sz="1000"/>
+            <a:lvl1pPr>
+              <a:defRPr sz="1800"/>
             </a:lvl1pPr>
           </a:lstStyle>
           <a:p>
             <a:pPr lvl="0"/>
-            <a:r>
-              <a:rPr lang="en-US" altLang="zh-CN" dirty="0"/>
-              <a:t>ref</a:t>
-            </a:r>
             <a:endParaRPr lang="zh-CN" altLang="en-US" dirty="0"/>
           </a:p>
         </p:txBody>
@@ -744,7 +892,7 @@
     </p:spTree>
     <p:extLst>
       <p:ext uri="{BB962C8B-B14F-4D97-AF65-F5344CB8AC3E}">
-        <p14:creationId xmlns:p14="http://schemas.microsoft.com/office/powerpoint/2010/main" val="1949022712"/>
+        <p14:creationId xmlns:p14="http://schemas.microsoft.com/office/powerpoint/2010/main" val="940028711"/>
       </p:ext>
     </p:extLst>
   </p:cSld>
@@ -754,27 +902,17 @@
   <p:extLst>
     <p:ext uri="{DCECCB84-F9BA-43D5-87BE-67443E8EF086}">
       <p15:sldGuideLst xmlns:p15="http://schemas.microsoft.com/office/powerpoint/2012/main">
-        <p15:guide id="1" pos="98" userDrawn="1">
+        <p15:guide id="1" orient="horz" pos="1480" userDrawn="1">
           <p15:clr>
             <a:srgbClr val="FBAE40"/>
           </p15:clr>
         </p15:guide>
-        <p15:guide id="2" pos="7582" userDrawn="1">
+        <p15:guide id="2" pos="4747">
           <p15:clr>
             <a:srgbClr val="FBAE40"/>
           </p15:clr>
         </p15:guide>
-        <p15:guide id="3" orient="horz" pos="96" userDrawn="1">
-          <p15:clr>
-            <a:srgbClr val="FBAE40"/>
-          </p15:clr>
-        </p15:guide>
-        <p15:guide id="4" orient="horz" pos="4201" userDrawn="1">
-          <p15:clr>
-            <a:srgbClr val="FBAE40"/>
-          </p15:clr>
-        </p15:guide>
-        <p15:guide id="5" orient="horz" pos="799" userDrawn="1">
+        <p15:guide id="3" orient="horz" pos="2818" userDrawn="1">
           <p15:clr>
             <a:srgbClr val="FBAE40"/>
           </p15:clr>
@@ -785,14 +923,9 @@
 </p:sldLayout>
 </file>
 
-<file path=ppt/slideLayouts/slideLayout3.xml><?xml version="1.0" encoding="utf-8"?>
+<file path=ppt/slideLayouts/slideLayout2.xml><?xml version="1.0" encoding="utf-8"?>
 <p:sldLayout xmlns:a="http://schemas.openxmlformats.org/drawingml/2006/main" xmlns:r="http://schemas.openxmlformats.org/officeDocument/2006/relationships" xmlns:p="http://schemas.openxmlformats.org/presentationml/2006/main" preserve="1" userDrawn="1">
-  <p:cSld name="4_style1">
-    <p:bg bwMode="blackWhite">
-      <p:bgRef idx="1001">
-        <a:schemeClr val="bg1"/>
-      </p:bgRef>
-    </p:bg>
+  <p:cSld name="style1">
     <p:spTree>
       <p:nvGrpSpPr>
         <p:cNvPr id="1" name=""/>
@@ -825,8 +958,8 @@
         </p:nvSpPr>
         <p:spPr>
           <a:xfrm>
-            <a:off x="155575" y="161620"/>
-            <a:ext cx="11880850" cy="603555"/>
+            <a:off x="235888" y="194807"/>
+            <a:ext cx="11720223" cy="946840"/>
           </a:xfrm>
           <a:prstGeom prst="rect">
             <a:avLst/>
@@ -836,11 +969,7 @@
           <a:bodyPr vert="horz" lIns="91440" tIns="45720" rIns="91440" bIns="45720" rtlCol="0" anchor="ctr">
             <a:normAutofit/>
           </a:bodyPr>
-          <a:lstStyle>
-            <a:lvl1pPr>
-              <a:defRPr sz="3200"/>
-            </a:lvl1pPr>
-          </a:lstStyle>
+          <a:lstStyle/>
           <a:p>
             <a:r>
               <a:rPr lang="zh-CN" altLang="en-US" dirty="0"/>
@@ -867,8 +996,8 @@
         </p:nvSpPr>
         <p:spPr>
           <a:xfrm>
-            <a:off x="155575" y="944563"/>
-            <a:ext cx="11880849" cy="5724525"/>
+            <a:off x="235888" y="1288111"/>
+            <a:ext cx="11720222" cy="5375082"/>
           </a:xfrm>
           <a:prstGeom prst="rect">
             <a:avLst/>
@@ -885,102 +1014,22 @@
           </a:p>
         </p:txBody>
       </p:sp>
-      <p:sp>
-        <p:nvSpPr>
-          <p:cNvPr id="5" name="文本占位符 2">
-            <a:extLst>
-              <a:ext uri="{FF2B5EF4-FFF2-40B4-BE49-F238E27FC236}">
-                <a16:creationId xmlns:a16="http://schemas.microsoft.com/office/drawing/2014/main" id="{EAACEB4B-376E-4028-B4B7-734C34441495}"/>
-              </a:ext>
-            </a:extLst>
-          </p:cNvPr>
-          <p:cNvSpPr>
-            <a:spLocks noGrp="1"/>
-          </p:cNvSpPr>
-          <p:nvPr>
-            <p:ph idx="10" hasCustomPrompt="1"/>
-          </p:nvPr>
-        </p:nvSpPr>
-        <p:spPr>
-          <a:xfrm>
-            <a:off x="807388" y="6669088"/>
-            <a:ext cx="10577224" cy="188912"/>
-          </a:xfrm>
-          <a:prstGeom prst="rect">
-            <a:avLst/>
-          </a:prstGeom>
-        </p:spPr>
-        <p:txBody>
-          <a:bodyPr vert="horz" lIns="91440" tIns="45720" rIns="91440" bIns="45720" rtlCol="0" anchor="ctr">
-            <a:noAutofit/>
-          </a:bodyPr>
-          <a:lstStyle>
-            <a:lvl1pPr algn="ctr">
-              <a:defRPr sz="1000"/>
-            </a:lvl1pPr>
-          </a:lstStyle>
-          <a:p>
-            <a:pPr lvl="0"/>
-            <a:r>
-              <a:rPr lang="en-US" altLang="zh-CN" dirty="0"/>
-              <a:t>ref</a:t>
-            </a:r>
-            <a:endParaRPr lang="zh-CN" altLang="en-US" dirty="0"/>
-          </a:p>
-        </p:txBody>
-      </p:sp>
     </p:spTree>
     <p:extLst>
       <p:ext uri="{BB962C8B-B14F-4D97-AF65-F5344CB8AC3E}">
-        <p14:creationId xmlns:p14="http://schemas.microsoft.com/office/powerpoint/2010/main" val="1201581387"/>
+        <p14:creationId xmlns:p14="http://schemas.microsoft.com/office/powerpoint/2010/main" val="1949022712"/>
       </p:ext>
     </p:extLst>
   </p:cSld>
   <p:clrMapOvr>
     <a:masterClrMapping/>
   </p:clrMapOvr>
-  <p:extLst>
-    <p:ext uri="{DCECCB84-F9BA-43D5-87BE-67443E8EF086}">
-      <p15:sldGuideLst xmlns:p15="http://schemas.microsoft.com/office/powerpoint/2012/main">
-        <p15:guide id="1" pos="98">
-          <p15:clr>
-            <a:srgbClr val="FBAE40"/>
-          </p15:clr>
-        </p15:guide>
-        <p15:guide id="2" pos="7582">
-          <p15:clr>
-            <a:srgbClr val="FBAE40"/>
-          </p15:clr>
-        </p15:guide>
-        <p15:guide id="3" orient="horz" pos="96">
-          <p15:clr>
-            <a:srgbClr val="FBAE40"/>
-          </p15:clr>
-        </p15:guide>
-        <p15:guide id="4" orient="horz" pos="4201">
-          <p15:clr>
-            <a:srgbClr val="FBAE40"/>
-          </p15:clr>
-        </p15:guide>
-        <p15:guide id="5" orient="horz" pos="595" userDrawn="1">
-          <p15:clr>
-            <a:srgbClr val="FBAE40"/>
-          </p15:clr>
-        </p15:guide>
-      </p15:sldGuideLst>
-    </p:ext>
-  </p:extLst>
 </p:sldLayout>
 </file>
 
-<file path=ppt/slideLayouts/slideLayout4.xml><?xml version="1.0" encoding="utf-8"?>
+<file path=ppt/slideLayouts/slideLayout3.xml><?xml version="1.0" encoding="utf-8"?>
 <p:sldLayout xmlns:a="http://schemas.openxmlformats.org/drawingml/2006/main" xmlns:r="http://schemas.openxmlformats.org/officeDocument/2006/relationships" xmlns:p="http://schemas.openxmlformats.org/presentationml/2006/main" preserve="1" userDrawn="1">
-  <p:cSld name="5_style1">
-    <p:bg bwMode="blackWhite">
-      <p:bgRef idx="1001">
-        <a:schemeClr val="bg1"/>
-      </p:bgRef>
-    </p:bg>
+  <p:cSld name="style1-ref-line">
     <p:spTree>
       <p:nvGrpSpPr>
         <p:cNvPr id="1" name=""/>
@@ -997,6 +1046,48 @@
       </p:grpSpPr>
       <p:sp>
         <p:nvSpPr>
+          <p:cNvPr id="3" name="标题占位符 1">
+            <a:extLst>
+              <a:ext uri="{FF2B5EF4-FFF2-40B4-BE49-F238E27FC236}">
+                <a16:creationId xmlns:a16="http://schemas.microsoft.com/office/drawing/2014/main" id="{E89E3029-F52D-4EC5-AEAF-C0012A8FC1F4}"/>
+              </a:ext>
+            </a:extLst>
+          </p:cNvPr>
+          <p:cNvSpPr>
+            <a:spLocks noGrp="1"/>
+          </p:cNvSpPr>
+          <p:nvPr>
+            <p:ph type="title"/>
+          </p:nvPr>
+        </p:nvSpPr>
+        <p:spPr>
+          <a:xfrm>
+            <a:off x="235888" y="194807"/>
+            <a:ext cx="11720223" cy="946840"/>
+          </a:xfrm>
+          <a:prstGeom prst="rect">
+            <a:avLst/>
+          </a:prstGeom>
+        </p:spPr>
+        <p:txBody>
+          <a:bodyPr vert="horz" lIns="91440" tIns="45720" rIns="91440" bIns="45720" rtlCol="0" anchor="ctr">
+            <a:normAutofit/>
+          </a:bodyPr>
+          <a:lstStyle>
+            <a:lvl1pPr>
+              <a:defRPr sz="4000"/>
+            </a:lvl1pPr>
+          </a:lstStyle>
+          <a:p>
+            <a:r>
+              <a:rPr lang="zh-CN" altLang="en-US" dirty="0"/>
+              <a:t>单击此处编辑母版标题样式</a:t>
+            </a:r>
+          </a:p>
+        </p:txBody>
+      </p:sp>
+      <p:sp>
+        <p:nvSpPr>
           <p:cNvPr id="4" name="文本占位符 2">
             <a:extLst>
               <a:ext uri="{FF2B5EF4-FFF2-40B4-BE49-F238E27FC236}">
@@ -1013,8 +1104,8 @@
         </p:nvSpPr>
         <p:spPr>
           <a:xfrm>
-            <a:off x="155575" y="152401"/>
-            <a:ext cx="11880849" cy="6516688"/>
+            <a:off x="235888" y="1288111"/>
+            <a:ext cx="11720222" cy="5311357"/>
           </a:xfrm>
           <a:prstGeom prst="rect">
             <a:avLst/>
@@ -1024,7 +1115,11 @@
           <a:bodyPr vert="horz" lIns="91440" tIns="45720" rIns="91440" bIns="45720" rtlCol="0">
             <a:normAutofit/>
           </a:bodyPr>
-          <a:lstStyle/>
+          <a:lstStyle>
+            <a:lvl1pPr>
+              <a:defRPr sz="2400"/>
+            </a:lvl1pPr>
+          </a:lstStyle>
           <a:p>
             <a:pPr lvl="0"/>
             <a:endParaRPr lang="zh-CN" altLang="en-US" dirty="0"/>
@@ -1036,7 +1131,7 @@
           <p:cNvPr id="5" name="文本占位符 2">
             <a:extLst>
               <a:ext uri="{FF2B5EF4-FFF2-40B4-BE49-F238E27FC236}">
-                <a16:creationId xmlns:a16="http://schemas.microsoft.com/office/drawing/2014/main" id="{EAACEB4B-376E-4028-B4B7-734C34441495}"/>
+                <a16:creationId xmlns:a16="http://schemas.microsoft.com/office/drawing/2014/main" id="{65D1F5C4-A71C-407E-A948-BEE3B18CEF33}"/>
               </a:ext>
             </a:extLst>
           </p:cNvPr>
@@ -1049,8 +1144,8 @@
         </p:nvSpPr>
         <p:spPr>
           <a:xfrm>
-            <a:off x="807388" y="6669088"/>
-            <a:ext cx="10577224" cy="188912"/>
+            <a:off x="807387" y="6643299"/>
+            <a:ext cx="10577224" cy="205266"/>
           </a:xfrm>
           <a:prstGeom prst="rect">
             <a:avLst/>
@@ -1062,7 +1157,7 @@
           </a:bodyPr>
           <a:lstStyle>
             <a:lvl1pPr algn="ctr">
-              <a:defRPr sz="1000"/>
+              <a:defRPr sz="1200"/>
             </a:lvl1pPr>
           </a:lstStyle>
           <a:p>
@@ -1078,7 +1173,7 @@
     </p:spTree>
     <p:extLst>
       <p:ext uri="{BB962C8B-B14F-4D97-AF65-F5344CB8AC3E}">
-        <p14:creationId xmlns:p14="http://schemas.microsoft.com/office/powerpoint/2010/main" val="2362387727"/>
+        <p14:creationId xmlns:p14="http://schemas.microsoft.com/office/powerpoint/2010/main" val="3354139417"/>
       </p:ext>
     </p:extLst>
   </p:cSld>
@@ -1088,27 +1183,22 @@
   <p:extLst>
     <p:ext uri="{DCECCB84-F9BA-43D5-87BE-67443E8EF086}">
       <p15:sldGuideLst xmlns:p15="http://schemas.microsoft.com/office/powerpoint/2012/main">
-        <p15:guide id="1" pos="98">
+        <p15:guide id="1" orient="horz" pos="799" userDrawn="1">
           <p15:clr>
             <a:srgbClr val="FBAE40"/>
           </p15:clr>
         </p15:guide>
-        <p15:guide id="2" pos="7582">
+        <p15:guide id="2" orient="horz" pos="4156" userDrawn="1">
           <p15:clr>
             <a:srgbClr val="FBAE40"/>
           </p15:clr>
         </p15:guide>
-        <p15:guide id="3" orient="horz" pos="96">
+        <p15:guide id="3" pos="143" userDrawn="1">
           <p15:clr>
             <a:srgbClr val="FBAE40"/>
           </p15:clr>
         </p15:guide>
-        <p15:guide id="4" orient="horz" pos="4201">
-          <p15:clr>
-            <a:srgbClr val="FBAE40"/>
-          </p15:clr>
-        </p15:guide>
-        <p15:guide id="5" orient="horz" pos="595">
+        <p15:guide id="4" pos="7537" userDrawn="1">
           <p15:clr>
             <a:srgbClr val="FBAE40"/>
           </p15:clr>
@@ -1119,14 +1209,9 @@
 </p:sldLayout>
 </file>
 
-<file path=ppt/slideLayouts/slideLayout5.xml><?xml version="1.0" encoding="utf-8"?>
+<file path=ppt/slideLayouts/slideLayout4.xml><?xml version="1.0" encoding="utf-8"?>
 <p:sldLayout xmlns:a="http://schemas.openxmlformats.org/drawingml/2006/main" xmlns:r="http://schemas.openxmlformats.org/officeDocument/2006/relationships" xmlns:p="http://schemas.openxmlformats.org/presentationml/2006/main" preserve="1" userDrawn="1">
-  <p:cSld name="6_style1">
-    <p:bg bwMode="blackWhite">
-      <p:bgRef idx="1001">
-        <a:schemeClr val="bg1"/>
-      </p:bgRef>
-    </p:bg>
+  <p:cSld name="style1-compact">
     <p:spTree>
       <p:nvGrpSpPr>
         <p:cNvPr id="1" name=""/>
@@ -1159,8 +1244,8 @@
         </p:nvSpPr>
         <p:spPr>
           <a:xfrm>
-            <a:off x="155575" y="161620"/>
-            <a:ext cx="11880850" cy="603555"/>
+            <a:off x="235888" y="194807"/>
+            <a:ext cx="11720223" cy="608275"/>
           </a:xfrm>
           <a:prstGeom prst="rect">
             <a:avLst/>
@@ -1201,8 +1286,8 @@
         </p:nvSpPr>
         <p:spPr>
           <a:xfrm>
-            <a:off x="6822218" y="944564"/>
-            <a:ext cx="5214205" cy="2673280"/>
+            <a:off x="235888" y="914401"/>
+            <a:ext cx="11720222" cy="5685068"/>
           </a:xfrm>
           <a:prstGeom prst="rect">
             <a:avLst/>
@@ -1212,7 +1297,11 @@
           <a:bodyPr vert="horz" lIns="91440" tIns="45720" rIns="91440" bIns="45720" rtlCol="0">
             <a:normAutofit/>
           </a:bodyPr>
-          <a:lstStyle/>
+          <a:lstStyle>
+            <a:lvl1pPr>
+              <a:defRPr sz="2400"/>
+            </a:lvl1pPr>
+          </a:lstStyle>
           <a:p>
             <a:pPr lvl="0"/>
             <a:endParaRPr lang="zh-CN" altLang="en-US" dirty="0"/>
@@ -1224,7 +1313,7 @@
           <p:cNvPr id="5" name="文本占位符 2">
             <a:extLst>
               <a:ext uri="{FF2B5EF4-FFF2-40B4-BE49-F238E27FC236}">
-                <a16:creationId xmlns:a16="http://schemas.microsoft.com/office/drawing/2014/main" id="{EAACEB4B-376E-4028-B4B7-734C34441495}"/>
+                <a16:creationId xmlns:a16="http://schemas.microsoft.com/office/drawing/2014/main" id="{65D1F5C4-A71C-407E-A948-BEE3B18CEF33}"/>
               </a:ext>
             </a:extLst>
           </p:cNvPr>
@@ -1237,8 +1326,8 @@
         </p:nvSpPr>
         <p:spPr>
           <a:xfrm>
-            <a:off x="807388" y="6669088"/>
-            <a:ext cx="10577224" cy="188912"/>
+            <a:off x="807387" y="6643299"/>
+            <a:ext cx="10577224" cy="205266"/>
           </a:xfrm>
           <a:prstGeom prst="rect">
             <a:avLst/>
@@ -1250,7 +1339,7 @@
           </a:bodyPr>
           <a:lstStyle>
             <a:lvl1pPr algn="ctr">
-              <a:defRPr sz="1000"/>
+              <a:defRPr sz="1200"/>
             </a:lvl1pPr>
           </a:lstStyle>
           <a:p>
@@ -1263,46 +1352,10 @@
           </a:p>
         </p:txBody>
       </p:sp>
-      <p:sp>
-        <p:nvSpPr>
-          <p:cNvPr id="6" name="文本占位符 2">
-            <a:extLst>
-              <a:ext uri="{FF2B5EF4-FFF2-40B4-BE49-F238E27FC236}">
-                <a16:creationId xmlns:a16="http://schemas.microsoft.com/office/drawing/2014/main" id="{63BFEED3-0CE4-4836-A4C9-1F95A500B42F}"/>
-              </a:ext>
-            </a:extLst>
-          </p:cNvPr>
-          <p:cNvSpPr>
-            <a:spLocks noGrp="1"/>
-          </p:cNvSpPr>
-          <p:nvPr>
-            <p:ph idx="11"/>
-          </p:nvPr>
-        </p:nvSpPr>
-        <p:spPr>
-          <a:xfrm>
-            <a:off x="6822217" y="3796917"/>
-            <a:ext cx="5214205" cy="2673280"/>
-          </a:xfrm>
-          <a:prstGeom prst="rect">
-            <a:avLst/>
-          </a:prstGeom>
-        </p:spPr>
-        <p:txBody>
-          <a:bodyPr vert="horz" lIns="91440" tIns="45720" rIns="91440" bIns="45720" rtlCol="0">
-            <a:normAutofit/>
-          </a:bodyPr>
-          <a:lstStyle/>
-          <a:p>
-            <a:pPr lvl="0"/>
-            <a:endParaRPr lang="zh-CN" altLang="en-US" dirty="0"/>
-          </a:p>
-        </p:txBody>
-      </p:sp>
     </p:spTree>
     <p:extLst>
       <p:ext uri="{BB962C8B-B14F-4D97-AF65-F5344CB8AC3E}">
-        <p14:creationId xmlns:p14="http://schemas.microsoft.com/office/powerpoint/2010/main" val="1985348688"/>
+        <p14:creationId xmlns:p14="http://schemas.microsoft.com/office/powerpoint/2010/main" val="3611538748"/>
       </p:ext>
     </p:extLst>
   </p:cSld>
@@ -1312,32 +1365,22 @@
   <p:extLst>
     <p:ext uri="{DCECCB84-F9BA-43D5-87BE-67443E8EF086}">
       <p15:sldGuideLst xmlns:p15="http://schemas.microsoft.com/office/powerpoint/2012/main">
-        <p15:guide id="1" pos="98">
+        <p15:guide id="1" orient="horz" pos="799">
           <p15:clr>
             <a:srgbClr val="FBAE40"/>
           </p15:clr>
         </p15:guide>
-        <p15:guide id="2" pos="7582">
+        <p15:guide id="2" orient="horz" pos="4156">
           <p15:clr>
             <a:srgbClr val="FBAE40"/>
           </p15:clr>
         </p15:guide>
-        <p15:guide id="3" orient="horz" pos="96">
+        <p15:guide id="3" pos="143">
           <p15:clr>
             <a:srgbClr val="FBAE40"/>
           </p15:clr>
         </p15:guide>
-        <p15:guide id="4" orient="horz" pos="4201">
-          <p15:clr>
-            <a:srgbClr val="FBAE40"/>
-          </p15:clr>
-        </p15:guide>
-        <p15:guide id="5" orient="horz" pos="595">
-          <p15:clr>
-            <a:srgbClr val="FBAE40"/>
-          </p15:clr>
-        </p15:guide>
-        <p15:guide id="6" pos="3840" userDrawn="1">
+        <p15:guide id="4" pos="7537">
           <p15:clr>
             <a:srgbClr val="FBAE40"/>
           </p15:clr>
@@ -1348,14 +1391,9 @@
 </p:sldLayout>
 </file>
 
-<file path=ppt/slideLayouts/slideLayout6.xml><?xml version="1.0" encoding="utf-8"?>
+<file path=ppt/slideLayouts/slideLayout5.xml><?xml version="1.0" encoding="utf-8"?>
 <p:sldLayout xmlns:a="http://schemas.openxmlformats.org/drawingml/2006/main" xmlns:r="http://schemas.openxmlformats.org/officeDocument/2006/relationships" xmlns:p="http://schemas.openxmlformats.org/presentationml/2006/main" preserve="1" userDrawn="1">
-  <p:cSld name="7_style1">
-    <p:bg bwMode="blackWhite">
-      <p:bgRef idx="1001">
-        <a:schemeClr val="bg1"/>
-      </p:bgRef>
-    </p:bg>
+  <p:cSld name="full-ref-line">
     <p:spTree>
       <p:nvGrpSpPr>
         <p:cNvPr id="1" name=""/>
@@ -1388,8 +1426,8 @@
         </p:nvSpPr>
         <p:spPr>
           <a:xfrm>
-            <a:off x="6822218" y="161620"/>
-            <a:ext cx="5214205" cy="2116519"/>
+            <a:off x="235888" y="194807"/>
+            <a:ext cx="11720222" cy="6404661"/>
           </a:xfrm>
           <a:prstGeom prst="rect">
             <a:avLst/>
@@ -1399,7 +1437,11 @@
           <a:bodyPr vert="horz" lIns="91440" tIns="45720" rIns="91440" bIns="45720" rtlCol="0">
             <a:normAutofit/>
           </a:bodyPr>
-          <a:lstStyle/>
+          <a:lstStyle>
+            <a:lvl1pPr>
+              <a:defRPr sz="2400"/>
+            </a:lvl1pPr>
+          </a:lstStyle>
           <a:p>
             <a:pPr lvl="0"/>
             <a:endParaRPr lang="zh-CN" altLang="en-US" dirty="0"/>
@@ -1408,10 +1450,206 @@
       </p:sp>
       <p:sp>
         <p:nvSpPr>
-          <p:cNvPr id="7" name="文本占位符 2">
+          <p:cNvPr id="2" name="文本框 1">
             <a:extLst>
               <a:ext uri="{FF2B5EF4-FFF2-40B4-BE49-F238E27FC236}">
-                <a16:creationId xmlns:a16="http://schemas.microsoft.com/office/drawing/2014/main" id="{2EDFC952-2418-48DC-B4D8-D1FA2BB224C9}"/>
+                <a16:creationId xmlns:a16="http://schemas.microsoft.com/office/drawing/2014/main" id="{70F47AB1-6E03-469F-AA84-9D01C57C45DC}"/>
+              </a:ext>
+            </a:extLst>
+          </p:cNvPr>
+          <p:cNvSpPr txBox="1"/>
+          <p:nvPr userDrawn="1"/>
+        </p:nvSpPr>
+        <p:spPr>
+          <a:xfrm>
+            <a:off x="5905370" y="6599468"/>
+            <a:ext cx="381258" cy="258532"/>
+          </a:xfrm>
+          <a:prstGeom prst="rect">
+            <a:avLst/>
+          </a:prstGeom>
+          <a:noFill/>
+        </p:spPr>
+        <p:txBody>
+          <a:bodyPr wrap="none" rtlCol="0">
+            <a:spAutoFit/>
+          </a:bodyPr>
+          <a:lstStyle/>
+          <a:p>
+            <a:pPr algn="l">
+              <a:lnSpc>
+                <a:spcPct val="90000"/>
+              </a:lnSpc>
+              <a:spcBef>
+                <a:spcPts val="1000"/>
+              </a:spcBef>
+            </a:pPr>
+            <a:r>
+              <a:rPr lang="en-US" altLang="zh-CN" sz="1200" dirty="0">
+                <a:latin typeface="微软雅黑" panose="020B0503020204020204" pitchFamily="34" charset="-122"/>
+                <a:ea typeface="微软雅黑" panose="020B0503020204020204" pitchFamily="34" charset="-122"/>
+              </a:rPr>
+              <a:t>ref</a:t>
+            </a:r>
+            <a:endParaRPr lang="zh-CN" altLang="en-US" sz="1200" dirty="0">
+              <a:latin typeface="微软雅黑" panose="020B0503020204020204" pitchFamily="34" charset="-122"/>
+              <a:ea typeface="微软雅黑" panose="020B0503020204020204" pitchFamily="34" charset="-122"/>
+            </a:endParaRPr>
+          </a:p>
+        </p:txBody>
+      </p:sp>
+    </p:spTree>
+    <p:extLst>
+      <p:ext uri="{BB962C8B-B14F-4D97-AF65-F5344CB8AC3E}">
+        <p14:creationId xmlns:p14="http://schemas.microsoft.com/office/powerpoint/2010/main" val="1070629469"/>
+      </p:ext>
+    </p:extLst>
+  </p:cSld>
+  <p:clrMapOvr>
+    <a:masterClrMapping/>
+  </p:clrMapOvr>
+  <p:extLst>
+    <p:ext uri="{DCECCB84-F9BA-43D5-87BE-67443E8EF086}">
+      <p15:sldGuideLst xmlns:p15="http://schemas.microsoft.com/office/powerpoint/2012/main">
+        <p15:guide id="1" orient="horz" pos="799">
+          <p15:clr>
+            <a:srgbClr val="FBAE40"/>
+          </p15:clr>
+        </p15:guide>
+        <p15:guide id="2" orient="horz" pos="4156">
+          <p15:clr>
+            <a:srgbClr val="FBAE40"/>
+          </p15:clr>
+        </p15:guide>
+        <p15:guide id="3" pos="143">
+          <p15:clr>
+            <a:srgbClr val="FBAE40"/>
+          </p15:clr>
+        </p15:guide>
+        <p15:guide id="4" pos="7537">
+          <p15:clr>
+            <a:srgbClr val="FBAE40"/>
+          </p15:clr>
+        </p15:guide>
+      </p15:sldGuideLst>
+    </p:ext>
+  </p:extLst>
+</p:sldLayout>
+</file>
+
+<file path=ppt/slideLayouts/slideLayout6.xml><?xml version="1.0" encoding="utf-8"?>
+<p:sldLayout xmlns:a="http://schemas.openxmlformats.org/drawingml/2006/main" xmlns:r="http://schemas.openxmlformats.org/officeDocument/2006/relationships" xmlns:p="http://schemas.openxmlformats.org/presentationml/2006/main" preserve="1" userDrawn="1">
+  <p:cSld name="left-right">
+    <p:spTree>
+      <p:nvGrpSpPr>
+        <p:cNvPr id="1" name=""/>
+        <p:cNvGrpSpPr/>
+        <p:nvPr/>
+      </p:nvGrpSpPr>
+      <p:grpSpPr>
+        <a:xfrm>
+          <a:off x="0" y="0"/>
+          <a:ext cx="0" cy="0"/>
+          <a:chOff x="0" y="0"/>
+          <a:chExt cx="0" cy="0"/>
+        </a:xfrm>
+      </p:grpSpPr>
+      <p:sp>
+        <p:nvSpPr>
+          <p:cNvPr id="2" name="文本框 1">
+            <a:extLst>
+              <a:ext uri="{FF2B5EF4-FFF2-40B4-BE49-F238E27FC236}">
+                <a16:creationId xmlns:a16="http://schemas.microsoft.com/office/drawing/2014/main" id="{70F47AB1-6E03-469F-AA84-9D01C57C45DC}"/>
+              </a:ext>
+            </a:extLst>
+          </p:cNvPr>
+          <p:cNvSpPr txBox="1"/>
+          <p:nvPr userDrawn="1"/>
+        </p:nvSpPr>
+        <p:spPr>
+          <a:xfrm>
+            <a:off x="5905370" y="6599468"/>
+            <a:ext cx="381258" cy="258532"/>
+          </a:xfrm>
+          <a:prstGeom prst="rect">
+            <a:avLst/>
+          </a:prstGeom>
+          <a:noFill/>
+        </p:spPr>
+        <p:txBody>
+          <a:bodyPr wrap="none" rtlCol="0">
+            <a:spAutoFit/>
+          </a:bodyPr>
+          <a:lstStyle/>
+          <a:p>
+            <a:pPr algn="l">
+              <a:lnSpc>
+                <a:spcPct val="90000"/>
+              </a:lnSpc>
+              <a:spcBef>
+                <a:spcPts val="1000"/>
+              </a:spcBef>
+            </a:pPr>
+            <a:r>
+              <a:rPr lang="en-US" altLang="zh-CN" sz="1200" dirty="0">
+                <a:latin typeface="微软雅黑" panose="020B0503020204020204" pitchFamily="34" charset="-122"/>
+                <a:ea typeface="微软雅黑" panose="020B0503020204020204" pitchFamily="34" charset="-122"/>
+              </a:rPr>
+              <a:t>ref</a:t>
+            </a:r>
+            <a:endParaRPr lang="zh-CN" altLang="en-US" sz="1200" dirty="0">
+              <a:latin typeface="微软雅黑" panose="020B0503020204020204" pitchFamily="34" charset="-122"/>
+              <a:ea typeface="微软雅黑" panose="020B0503020204020204" pitchFamily="34" charset="-122"/>
+            </a:endParaRPr>
+          </a:p>
+        </p:txBody>
+      </p:sp>
+      <p:sp>
+        <p:nvSpPr>
+          <p:cNvPr id="5" name="文本占位符 2">
+            <a:extLst>
+              <a:ext uri="{FF2B5EF4-FFF2-40B4-BE49-F238E27FC236}">
+                <a16:creationId xmlns:a16="http://schemas.microsoft.com/office/drawing/2014/main" id="{20551E52-AD35-4223-8F4E-1DC7F3706ED7}"/>
+              </a:ext>
+            </a:extLst>
+          </p:cNvPr>
+          <p:cNvSpPr>
+            <a:spLocks noGrp="1"/>
+          </p:cNvSpPr>
+          <p:nvPr>
+            <p:ph idx="10"/>
+          </p:nvPr>
+        </p:nvSpPr>
+        <p:spPr>
+          <a:xfrm>
+            <a:off x="6286628" y="192989"/>
+            <a:ext cx="5669481" cy="6406479"/>
+          </a:xfrm>
+          <a:prstGeom prst="rect">
+            <a:avLst/>
+          </a:prstGeom>
+        </p:spPr>
+        <p:txBody>
+          <a:bodyPr vert="horz" lIns="91440" tIns="45720" rIns="91440" bIns="45720" rtlCol="0">
+            <a:normAutofit/>
+          </a:bodyPr>
+          <a:lstStyle>
+            <a:lvl1pPr>
+              <a:defRPr sz="2400"/>
+            </a:lvl1pPr>
+          </a:lstStyle>
+          <a:p>
+            <a:pPr lvl="0"/>
+            <a:endParaRPr lang="zh-CN" altLang="en-US" dirty="0"/>
+          </a:p>
+        </p:txBody>
+      </p:sp>
+      <p:sp>
+        <p:nvSpPr>
+          <p:cNvPr id="6" name="文本占位符 2">
+            <a:extLst>
+              <a:ext uri="{FF2B5EF4-FFF2-40B4-BE49-F238E27FC236}">
+                <a16:creationId xmlns:a16="http://schemas.microsoft.com/office/drawing/2014/main" id="{DB4E7335-9285-4F0C-A079-D4BC31BD1821}"/>
               </a:ext>
             </a:extLst>
           </p:cNvPr>
@@ -1424,8 +1662,8 @@
         </p:nvSpPr>
         <p:spPr>
           <a:xfrm>
-            <a:off x="6822218" y="2360175"/>
-            <a:ext cx="5214205" cy="2116519"/>
+            <a:off x="235889" y="192989"/>
+            <a:ext cx="5669481" cy="6404661"/>
           </a:xfrm>
           <a:prstGeom prst="rect">
             <a:avLst/>
@@ -1435,19 +1673,325 @@
           <a:bodyPr vert="horz" lIns="91440" tIns="45720" rIns="91440" bIns="45720" rtlCol="0">
             <a:normAutofit/>
           </a:bodyPr>
-          <a:lstStyle/>
+          <a:lstStyle>
+            <a:lvl1pPr>
+              <a:defRPr sz="2400"/>
+            </a:lvl1pPr>
+          </a:lstStyle>
           <a:p>
             <a:pPr lvl="0"/>
             <a:endParaRPr lang="zh-CN" altLang="en-US" dirty="0"/>
           </a:p>
         </p:txBody>
       </p:sp>
-      <p:sp>
-        <p:nvSpPr>
-          <p:cNvPr id="8" name="文本占位符 2">
+      <p:cxnSp>
+        <p:nvCxnSpPr>
+          <p:cNvPr id="9" name="直接连接符 8">
             <a:extLst>
               <a:ext uri="{FF2B5EF4-FFF2-40B4-BE49-F238E27FC236}">
-                <a16:creationId xmlns:a16="http://schemas.microsoft.com/office/drawing/2014/main" id="{00F91F61-FDAB-420C-9A23-B173F3858DA8}"/>
+                <a16:creationId xmlns:a16="http://schemas.microsoft.com/office/drawing/2014/main" id="{488AF947-EFDD-4764-98C0-5BF0958571EF}"/>
+              </a:ext>
+            </a:extLst>
+          </p:cNvPr>
+          <p:cNvCxnSpPr>
+            <a:cxnSpLocks/>
+          </p:cNvCxnSpPr>
+          <p:nvPr userDrawn="1"/>
+        </p:nvCxnSpPr>
+        <p:spPr>
+          <a:xfrm>
+            <a:off x="6097704" y="354911"/>
+            <a:ext cx="7951" cy="6080815"/>
+          </a:xfrm>
+          <a:prstGeom prst="line">
+            <a:avLst/>
+          </a:prstGeom>
+        </p:spPr>
+        <p:style>
+          <a:lnRef idx="1">
+            <a:schemeClr val="accent1"/>
+          </a:lnRef>
+          <a:fillRef idx="0">
+            <a:schemeClr val="accent1"/>
+          </a:fillRef>
+          <a:effectRef idx="0">
+            <a:schemeClr val="accent1"/>
+          </a:effectRef>
+          <a:fontRef idx="minor">
+            <a:schemeClr val="tx1"/>
+          </a:fontRef>
+        </p:style>
+      </p:cxnSp>
+    </p:spTree>
+    <p:extLst>
+      <p:ext uri="{BB962C8B-B14F-4D97-AF65-F5344CB8AC3E}">
+        <p14:creationId xmlns:p14="http://schemas.microsoft.com/office/powerpoint/2010/main" val="2065265876"/>
+      </p:ext>
+    </p:extLst>
+  </p:cSld>
+  <p:clrMapOvr>
+    <a:masterClrMapping/>
+  </p:clrMapOvr>
+  <p:extLst>
+    <p:ext uri="{DCECCB84-F9BA-43D5-87BE-67443E8EF086}">
+      <p15:sldGuideLst xmlns:p15="http://schemas.microsoft.com/office/powerpoint/2012/main">
+        <p15:guide id="1" orient="horz" pos="799">
+          <p15:clr>
+            <a:srgbClr val="FBAE40"/>
+          </p15:clr>
+        </p15:guide>
+        <p15:guide id="2" orient="horz" pos="4156">
+          <p15:clr>
+            <a:srgbClr val="FBAE40"/>
+          </p15:clr>
+        </p15:guide>
+        <p15:guide id="3" pos="143">
+          <p15:clr>
+            <a:srgbClr val="FBAE40"/>
+          </p15:clr>
+        </p15:guide>
+        <p15:guide id="4" pos="7537">
+          <p15:clr>
+            <a:srgbClr val="FBAE40"/>
+          </p15:clr>
+        </p15:guide>
+      </p15:sldGuideLst>
+    </p:ext>
+  </p:extLst>
+</p:sldLayout>
+</file>
+
+<file path=ppt/slideLayouts/slideLayout7.xml><?xml version="1.0" encoding="utf-8"?>
+<p:sldLayout xmlns:a="http://schemas.openxmlformats.org/drawingml/2006/main" xmlns:r="http://schemas.openxmlformats.org/officeDocument/2006/relationships" xmlns:p="http://schemas.openxmlformats.org/presentationml/2006/main" preserve="1" userDrawn="1">
+  <p:cSld name="double">
+    <p:spTree>
+      <p:nvGrpSpPr>
+        <p:cNvPr id="1" name=""/>
+        <p:cNvGrpSpPr/>
+        <p:nvPr/>
+      </p:nvGrpSpPr>
+      <p:grpSpPr>
+        <a:xfrm>
+          <a:off x="0" y="0"/>
+          <a:ext cx="0" cy="0"/>
+          <a:chOff x="0" y="0"/>
+          <a:chExt cx="0" cy="0"/>
+        </a:xfrm>
+      </p:grpSpPr>
+      <p:sp>
+        <p:nvSpPr>
+          <p:cNvPr id="10" name="文本占位符 2">
+            <a:extLst>
+              <a:ext uri="{FF2B5EF4-FFF2-40B4-BE49-F238E27FC236}">
+                <a16:creationId xmlns:a16="http://schemas.microsoft.com/office/drawing/2014/main" id="{4679CB46-8776-447D-9E5B-20EEAD0447C6}"/>
+              </a:ext>
+            </a:extLst>
+          </p:cNvPr>
+          <p:cNvSpPr>
+            <a:spLocks noGrp="1"/>
+          </p:cNvSpPr>
+          <p:nvPr>
+            <p:ph idx="10"/>
+          </p:nvPr>
+        </p:nvSpPr>
+        <p:spPr>
+          <a:xfrm>
+            <a:off x="7535863" y="3429000"/>
+            <a:ext cx="4572647" cy="3170468"/>
+          </a:xfrm>
+          <a:prstGeom prst="rect">
+            <a:avLst/>
+          </a:prstGeom>
+        </p:spPr>
+        <p:txBody>
+          <a:bodyPr vert="horz" lIns="91440" tIns="45720" rIns="91440" bIns="45720" rtlCol="0">
+            <a:normAutofit/>
+          </a:bodyPr>
+          <a:lstStyle>
+            <a:lvl1pPr>
+              <a:defRPr sz="2400"/>
+            </a:lvl1pPr>
+          </a:lstStyle>
+          <a:p>
+            <a:pPr lvl="0"/>
+            <a:endParaRPr lang="zh-CN" altLang="en-US" dirty="0"/>
+          </a:p>
+        </p:txBody>
+      </p:sp>
+      <p:sp>
+        <p:nvSpPr>
+          <p:cNvPr id="11" name="文本占位符 2">
+            <a:extLst>
+              <a:ext uri="{FF2B5EF4-FFF2-40B4-BE49-F238E27FC236}">
+                <a16:creationId xmlns:a16="http://schemas.microsoft.com/office/drawing/2014/main" id="{6FDBBBC5-ABEA-491E-947C-C86031E9712B}"/>
+              </a:ext>
+            </a:extLst>
+          </p:cNvPr>
+          <p:cNvSpPr>
+            <a:spLocks noGrp="1"/>
+          </p:cNvSpPr>
+          <p:nvPr>
+            <p:ph idx="11"/>
+          </p:nvPr>
+        </p:nvSpPr>
+        <p:spPr>
+          <a:xfrm>
+            <a:off x="7535863" y="228600"/>
+            <a:ext cx="4572647" cy="3170468"/>
+          </a:xfrm>
+          <a:prstGeom prst="rect">
+            <a:avLst/>
+          </a:prstGeom>
+        </p:spPr>
+        <p:txBody>
+          <a:bodyPr vert="horz" lIns="91440" tIns="45720" rIns="91440" bIns="45720" rtlCol="0">
+            <a:normAutofit/>
+          </a:bodyPr>
+          <a:lstStyle>
+            <a:lvl1pPr>
+              <a:defRPr sz="2400"/>
+            </a:lvl1pPr>
+          </a:lstStyle>
+          <a:p>
+            <a:pPr lvl="0"/>
+            <a:endParaRPr lang="zh-CN" altLang="en-US" dirty="0"/>
+          </a:p>
+        </p:txBody>
+      </p:sp>
+    </p:spTree>
+    <p:extLst>
+      <p:ext uri="{BB962C8B-B14F-4D97-AF65-F5344CB8AC3E}">
+        <p14:creationId xmlns:p14="http://schemas.microsoft.com/office/powerpoint/2010/main" val="2959007947"/>
+      </p:ext>
+    </p:extLst>
+  </p:cSld>
+  <p:clrMapOvr>
+    <a:masterClrMapping/>
+  </p:clrMapOvr>
+  <p:extLst>
+    <p:ext uri="{DCECCB84-F9BA-43D5-87BE-67443E8EF086}">
+      <p15:sldGuideLst xmlns:p15="http://schemas.microsoft.com/office/powerpoint/2012/main">
+        <p15:guide id="1" orient="horz" pos="2160" userDrawn="1">
+          <p15:clr>
+            <a:srgbClr val="FBAE40"/>
+          </p15:clr>
+        </p15:guide>
+        <p15:guide id="2" pos="4747" userDrawn="1">
+          <p15:clr>
+            <a:srgbClr val="FBAE40"/>
+          </p15:clr>
+        </p15:guide>
+      </p15:sldGuideLst>
+    </p:ext>
+  </p:extLst>
+</p:sldLayout>
+</file>
+
+<file path=ppt/slideLayouts/slideLayout8.xml><?xml version="1.0" encoding="utf-8"?>
+<p:sldLayout xmlns:a="http://schemas.openxmlformats.org/drawingml/2006/main" xmlns:r="http://schemas.openxmlformats.org/officeDocument/2006/relationships" xmlns:p="http://schemas.openxmlformats.org/presentationml/2006/main" preserve="1" userDrawn="1">
+  <p:cSld name="double-title">
+    <p:spTree>
+      <p:nvGrpSpPr>
+        <p:cNvPr id="1" name=""/>
+        <p:cNvGrpSpPr/>
+        <p:nvPr/>
+      </p:nvGrpSpPr>
+      <p:grpSpPr>
+        <a:xfrm>
+          <a:off x="0" y="0"/>
+          <a:ext cx="0" cy="0"/>
+          <a:chOff x="0" y="0"/>
+          <a:chExt cx="0" cy="0"/>
+        </a:xfrm>
+      </p:grpSpPr>
+      <p:sp>
+        <p:nvSpPr>
+          <p:cNvPr id="11" name="文本占位符 2">
+            <a:extLst>
+              <a:ext uri="{FF2B5EF4-FFF2-40B4-BE49-F238E27FC236}">
+                <a16:creationId xmlns:a16="http://schemas.microsoft.com/office/drawing/2014/main" id="{6FDBBBC5-ABEA-491E-947C-C86031E9712B}"/>
+              </a:ext>
+            </a:extLst>
+          </p:cNvPr>
+          <p:cNvSpPr>
+            <a:spLocks noGrp="1"/>
+          </p:cNvSpPr>
+          <p:nvPr>
+            <p:ph idx="11"/>
+          </p:nvPr>
+        </p:nvSpPr>
+        <p:spPr>
+          <a:xfrm>
+            <a:off x="7535863" y="715933"/>
+            <a:ext cx="4572647" cy="2886009"/>
+          </a:xfrm>
+          <a:prstGeom prst="rect">
+            <a:avLst/>
+          </a:prstGeom>
+        </p:spPr>
+        <p:txBody>
+          <a:bodyPr vert="horz" lIns="91440" tIns="45720" rIns="91440" bIns="45720" rtlCol="0">
+            <a:normAutofit/>
+          </a:bodyPr>
+          <a:lstStyle>
+            <a:lvl1pPr>
+              <a:defRPr sz="2400"/>
+            </a:lvl1pPr>
+          </a:lstStyle>
+          <a:p>
+            <a:pPr lvl="0"/>
+            <a:endParaRPr lang="zh-CN" altLang="en-US" dirty="0"/>
+          </a:p>
+        </p:txBody>
+      </p:sp>
+      <p:sp>
+        <p:nvSpPr>
+          <p:cNvPr id="4" name="标题占位符 1">
+            <a:extLst>
+              <a:ext uri="{FF2B5EF4-FFF2-40B4-BE49-F238E27FC236}">
+                <a16:creationId xmlns:a16="http://schemas.microsoft.com/office/drawing/2014/main" id="{B9C0FBA8-E379-47CB-A577-8300A492CBF0}"/>
+              </a:ext>
+            </a:extLst>
+          </p:cNvPr>
+          <p:cNvSpPr>
+            <a:spLocks noGrp="1"/>
+          </p:cNvSpPr>
+          <p:nvPr>
+            <p:ph type="title"/>
+          </p:nvPr>
+        </p:nvSpPr>
+        <p:spPr>
+          <a:xfrm>
+            <a:off x="83490" y="95417"/>
+            <a:ext cx="12025018" cy="620516"/>
+          </a:xfrm>
+          <a:prstGeom prst="rect">
+            <a:avLst/>
+          </a:prstGeom>
+        </p:spPr>
+        <p:txBody>
+          <a:bodyPr vert="horz" lIns="91440" tIns="45720" rIns="91440" bIns="45720" rtlCol="0" anchor="ctr">
+            <a:noAutofit/>
+          </a:bodyPr>
+          <a:lstStyle>
+            <a:lvl1pPr>
+              <a:defRPr sz="3200"/>
+            </a:lvl1pPr>
+          </a:lstStyle>
+          <a:p>
+            <a:r>
+              <a:rPr lang="zh-CN" altLang="en-US" dirty="0"/>
+              <a:t>单击此处编辑母版标题样式</a:t>
+            </a:r>
+          </a:p>
+        </p:txBody>
+      </p:sp>
+      <p:sp>
+        <p:nvSpPr>
+          <p:cNvPr id="5" name="文本占位符 2">
+            <a:extLst>
+              <a:ext uri="{FF2B5EF4-FFF2-40B4-BE49-F238E27FC236}">
+                <a16:creationId xmlns:a16="http://schemas.microsoft.com/office/drawing/2014/main" id="{A96A4D70-BADE-468B-940C-00AFF4268254}"/>
               </a:ext>
             </a:extLst>
           </p:cNvPr>
@@ -1460,8 +2004,8 @@
         </p:nvSpPr>
         <p:spPr>
           <a:xfrm>
-            <a:off x="6822218" y="4558730"/>
-            <a:ext cx="5214205" cy="2116519"/>
+            <a:off x="7535861" y="3601942"/>
+            <a:ext cx="4572647" cy="2886009"/>
           </a:xfrm>
           <a:prstGeom prst="rect">
             <a:avLst/>
@@ -1471,7 +2015,11 @@
           <a:bodyPr vert="horz" lIns="91440" tIns="45720" rIns="91440" bIns="45720" rtlCol="0">
             <a:normAutofit/>
           </a:bodyPr>
-          <a:lstStyle/>
+          <a:lstStyle>
+            <a:lvl1pPr>
+              <a:defRPr sz="2400"/>
+            </a:lvl1pPr>
+          </a:lstStyle>
           <a:p>
             <a:pPr lvl="0"/>
             <a:endParaRPr lang="zh-CN" altLang="en-US" dirty="0"/>
@@ -1481,7 +2029,7 @@
     </p:spTree>
     <p:extLst>
       <p:ext uri="{BB962C8B-B14F-4D97-AF65-F5344CB8AC3E}">
-        <p14:creationId xmlns:p14="http://schemas.microsoft.com/office/powerpoint/2010/main" val="2566678598"/>
+        <p14:creationId xmlns:p14="http://schemas.microsoft.com/office/powerpoint/2010/main" val="3066213490"/>
       </p:ext>
     </p:extLst>
   </p:cSld>
@@ -1491,32 +2039,269 @@
   <p:extLst>
     <p:ext uri="{DCECCB84-F9BA-43D5-87BE-67443E8EF086}">
       <p15:sldGuideLst xmlns:p15="http://schemas.microsoft.com/office/powerpoint/2012/main">
-        <p15:guide id="1" pos="98">
+        <p15:guide id="1" orient="horz" pos="2273" userDrawn="1">
           <p15:clr>
             <a:srgbClr val="FBAE40"/>
           </p15:clr>
         </p15:guide>
-        <p15:guide id="2" pos="7582">
+        <p15:guide id="2" pos="4747">
           <p15:clr>
             <a:srgbClr val="FBAE40"/>
           </p15:clr>
         </p15:guide>
-        <p15:guide id="3" orient="horz" pos="96">
+      </p15:sldGuideLst>
+    </p:ext>
+  </p:extLst>
+</p:sldLayout>
+</file>
+
+<file path=ppt/slideLayouts/slideLayout9.xml><?xml version="1.0" encoding="utf-8"?>
+<p:sldLayout xmlns:a="http://schemas.openxmlformats.org/drawingml/2006/main" xmlns:r="http://schemas.openxmlformats.org/officeDocument/2006/relationships" xmlns:p="http://schemas.openxmlformats.org/presentationml/2006/main" preserve="1" userDrawn="1">
+  <p:cSld name="tribel-with-title">
+    <p:spTree>
+      <p:nvGrpSpPr>
+        <p:cNvPr id="1" name=""/>
+        <p:cNvGrpSpPr/>
+        <p:nvPr/>
+      </p:nvGrpSpPr>
+      <p:grpSpPr>
+        <a:xfrm>
+          <a:off x="0" y="0"/>
+          <a:ext cx="0" cy="0"/>
+          <a:chOff x="0" y="0"/>
+          <a:chExt cx="0" cy="0"/>
+        </a:xfrm>
+      </p:grpSpPr>
+      <p:sp>
+        <p:nvSpPr>
+          <p:cNvPr id="11" name="文本占位符 2">
+            <a:extLst>
+              <a:ext uri="{FF2B5EF4-FFF2-40B4-BE49-F238E27FC236}">
+                <a16:creationId xmlns:a16="http://schemas.microsoft.com/office/drawing/2014/main" id="{6FDBBBC5-ABEA-491E-947C-C86031E9712B}"/>
+              </a:ext>
+            </a:extLst>
+          </p:cNvPr>
+          <p:cNvSpPr>
+            <a:spLocks noGrp="1"/>
+          </p:cNvSpPr>
+          <p:nvPr>
+            <p:ph idx="11"/>
+          </p:nvPr>
+        </p:nvSpPr>
+        <p:spPr>
+          <a:xfrm>
+            <a:off x="7535863" y="739460"/>
+            <a:ext cx="4572647" cy="1975789"/>
+          </a:xfrm>
+          <a:prstGeom prst="rect">
+            <a:avLst/>
+          </a:prstGeom>
+        </p:spPr>
+        <p:txBody>
+          <a:bodyPr vert="horz" lIns="91440" tIns="45720" rIns="91440" bIns="45720" rtlCol="0">
+            <a:normAutofit/>
+          </a:bodyPr>
+          <a:lstStyle>
+            <a:lvl1pPr>
+              <a:defRPr sz="1800"/>
+            </a:lvl1pPr>
+          </a:lstStyle>
+          <a:p>
+            <a:pPr lvl="0"/>
+            <a:endParaRPr lang="zh-CN" altLang="en-US" dirty="0"/>
+          </a:p>
+        </p:txBody>
+      </p:sp>
+      <p:sp>
+        <p:nvSpPr>
+          <p:cNvPr id="6" name="文本占位符 2">
+            <a:extLst>
+              <a:ext uri="{FF2B5EF4-FFF2-40B4-BE49-F238E27FC236}">
+                <a16:creationId xmlns:a16="http://schemas.microsoft.com/office/drawing/2014/main" id="{2D978391-8527-4CE7-BC52-6E81BFCFC9C3}"/>
+              </a:ext>
+            </a:extLst>
+          </p:cNvPr>
+          <p:cNvSpPr>
+            <a:spLocks noGrp="1"/>
+          </p:cNvSpPr>
+          <p:nvPr>
+            <p:ph idx="14"/>
+          </p:nvPr>
+        </p:nvSpPr>
+        <p:spPr>
+          <a:xfrm>
+            <a:off x="7535863" y="2716812"/>
+            <a:ext cx="4572647" cy="1975789"/>
+          </a:xfrm>
+          <a:prstGeom prst="rect">
+            <a:avLst/>
+          </a:prstGeom>
+        </p:spPr>
+        <p:txBody>
+          <a:bodyPr vert="horz" lIns="91440" tIns="45720" rIns="91440" bIns="45720" rtlCol="0">
+            <a:normAutofit/>
+          </a:bodyPr>
+          <a:lstStyle>
+            <a:lvl1pPr>
+              <a:defRPr sz="1800"/>
+            </a:lvl1pPr>
+          </a:lstStyle>
+          <a:p>
+            <a:pPr lvl="0"/>
+            <a:endParaRPr lang="zh-CN" altLang="en-US" dirty="0"/>
+          </a:p>
+        </p:txBody>
+      </p:sp>
+      <p:sp>
+        <p:nvSpPr>
+          <p:cNvPr id="7" name="文本占位符 2">
+            <a:extLst>
+              <a:ext uri="{FF2B5EF4-FFF2-40B4-BE49-F238E27FC236}">
+                <a16:creationId xmlns:a16="http://schemas.microsoft.com/office/drawing/2014/main" id="{F95E7989-256C-4CD3-B4F0-9E49795CD354}"/>
+              </a:ext>
+            </a:extLst>
+          </p:cNvPr>
+          <p:cNvSpPr>
+            <a:spLocks noGrp="1"/>
+          </p:cNvSpPr>
+          <p:nvPr>
+            <p:ph idx="15"/>
+          </p:nvPr>
+        </p:nvSpPr>
+        <p:spPr>
+          <a:xfrm>
+            <a:off x="7535861" y="4689475"/>
+            <a:ext cx="4572647" cy="1953824"/>
+          </a:xfrm>
+          <a:prstGeom prst="rect">
+            <a:avLst/>
+          </a:prstGeom>
+        </p:spPr>
+        <p:txBody>
+          <a:bodyPr vert="horz" lIns="91440" tIns="45720" rIns="91440" bIns="45720" rtlCol="0">
+            <a:normAutofit/>
+          </a:bodyPr>
+          <a:lstStyle>
+            <a:lvl1pPr>
+              <a:defRPr sz="1800"/>
+            </a:lvl1pPr>
+          </a:lstStyle>
+          <a:p>
+            <a:pPr lvl="0"/>
+            <a:endParaRPr lang="zh-CN" altLang="en-US" dirty="0"/>
+          </a:p>
+        </p:txBody>
+      </p:sp>
+      <p:sp>
+        <p:nvSpPr>
+          <p:cNvPr id="8" name="文本占位符 2">
+            <a:extLst>
+              <a:ext uri="{FF2B5EF4-FFF2-40B4-BE49-F238E27FC236}">
+                <a16:creationId xmlns:a16="http://schemas.microsoft.com/office/drawing/2014/main" id="{FABEE2D9-E482-4EAE-A86F-C8177B2DBFBC}"/>
+              </a:ext>
+            </a:extLst>
+          </p:cNvPr>
+          <p:cNvSpPr>
+            <a:spLocks noGrp="1"/>
+          </p:cNvSpPr>
+          <p:nvPr>
+            <p:ph idx="10" hasCustomPrompt="1"/>
+          </p:nvPr>
+        </p:nvSpPr>
+        <p:spPr>
+          <a:xfrm>
+            <a:off x="807387" y="6643299"/>
+            <a:ext cx="10577224" cy="205266"/>
+          </a:xfrm>
+          <a:prstGeom prst="rect">
+            <a:avLst/>
+          </a:prstGeom>
+        </p:spPr>
+        <p:txBody>
+          <a:bodyPr vert="horz" lIns="91440" tIns="45720" rIns="91440" bIns="45720" rtlCol="0" anchor="ctr">
+            <a:noAutofit/>
+          </a:bodyPr>
+          <a:lstStyle>
+            <a:lvl1pPr algn="ctr">
+              <a:defRPr sz="1200"/>
+            </a:lvl1pPr>
+          </a:lstStyle>
+          <a:p>
+            <a:pPr lvl="0"/>
+            <a:r>
+              <a:rPr lang="en-US" altLang="zh-CN" dirty="0"/>
+              <a:t>ref</a:t>
+            </a:r>
+            <a:endParaRPr lang="zh-CN" altLang="en-US" dirty="0"/>
+          </a:p>
+        </p:txBody>
+      </p:sp>
+      <p:sp>
+        <p:nvSpPr>
+          <p:cNvPr id="10" name="标题占位符 1">
+            <a:extLst>
+              <a:ext uri="{FF2B5EF4-FFF2-40B4-BE49-F238E27FC236}">
+                <a16:creationId xmlns:a16="http://schemas.microsoft.com/office/drawing/2014/main" id="{934D668A-9741-4A4F-B3F6-059E1472DD3C}"/>
+              </a:ext>
+            </a:extLst>
+          </p:cNvPr>
+          <p:cNvSpPr>
+            <a:spLocks noGrp="1"/>
+          </p:cNvSpPr>
+          <p:nvPr>
+            <p:ph type="title"/>
+          </p:nvPr>
+        </p:nvSpPr>
+        <p:spPr>
+          <a:xfrm>
+            <a:off x="83490" y="95417"/>
+            <a:ext cx="12025018" cy="620516"/>
+          </a:xfrm>
+          <a:prstGeom prst="rect">
+            <a:avLst/>
+          </a:prstGeom>
+        </p:spPr>
+        <p:txBody>
+          <a:bodyPr vert="horz" lIns="91440" tIns="45720" rIns="91440" bIns="45720" rtlCol="0" anchor="ctr">
+            <a:noAutofit/>
+          </a:bodyPr>
+          <a:lstStyle>
+            <a:lvl1pPr>
+              <a:defRPr sz="3200"/>
+            </a:lvl1pPr>
+          </a:lstStyle>
+          <a:p>
+            <a:r>
+              <a:rPr lang="zh-CN" altLang="en-US" dirty="0"/>
+              <a:t>单击此处编辑母版标题样式</a:t>
+            </a:r>
+          </a:p>
+        </p:txBody>
+      </p:sp>
+    </p:spTree>
+    <p:extLst>
+      <p:ext uri="{BB962C8B-B14F-4D97-AF65-F5344CB8AC3E}">
+        <p14:creationId xmlns:p14="http://schemas.microsoft.com/office/powerpoint/2010/main" val="3696241775"/>
+      </p:ext>
+    </p:extLst>
+  </p:cSld>
+  <p:clrMapOvr>
+    <a:masterClrMapping/>
+  </p:clrMapOvr>
+  <p:extLst>
+    <p:ext uri="{DCECCB84-F9BA-43D5-87BE-67443E8EF086}">
+      <p15:sldGuideLst xmlns:p15="http://schemas.microsoft.com/office/powerpoint/2012/main">
+        <p15:guide id="1" orient="horz" pos="1706" userDrawn="1">
           <p15:clr>
             <a:srgbClr val="FBAE40"/>
           </p15:clr>
         </p15:guide>
-        <p15:guide id="4" orient="horz" pos="4201">
+        <p15:guide id="2" pos="4747">
           <p15:clr>
             <a:srgbClr val="FBAE40"/>
           </p15:clr>
         </p15:guide>
-        <p15:guide id="5" orient="horz" pos="595">
-          <p15:clr>
-            <a:srgbClr val="FBAE40"/>
-          </p15:clr>
-        </p15:guide>
-        <p15:guide id="6" pos="3840">
+        <p15:guide id="3" orient="horz" pos="2954" userDrawn="1">
           <p15:clr>
             <a:srgbClr val="FBAE40"/>
           </p15:clr>
@@ -1634,10 +2419,14 @@
   <p:sldLayoutIdLst>
     <p:sldLayoutId id="2147483654" r:id="rId1"/>
     <p:sldLayoutId id="2147483655" r:id="rId2"/>
-    <p:sldLayoutId id="2147483668" r:id="rId3"/>
-    <p:sldLayoutId id="2147483669" r:id="rId4"/>
-    <p:sldLayoutId id="2147483670" r:id="rId5"/>
-    <p:sldLayoutId id="2147483671" r:id="rId6"/>
+    <p:sldLayoutId id="2147483658" r:id="rId3"/>
+    <p:sldLayoutId id="2147483663" r:id="rId4"/>
+    <p:sldLayoutId id="2147483659" r:id="rId5"/>
+    <p:sldLayoutId id="2147483662" r:id="rId6"/>
+    <p:sldLayoutId id="2147483657" r:id="rId7"/>
+    <p:sldLayoutId id="2147483664" r:id="rId8"/>
+    <p:sldLayoutId id="2147483661" r:id="rId9"/>
+    <p:sldLayoutId id="2147483660" r:id="rId10"/>
   </p:sldLayoutIdLst>
   <p:txStyles>
     <p:titleStyle>
